--- a/en/ProgrammingLessons/advanced/scratch-MenuSystem.pptx
+++ b/en/ProgrammingLessons/advanced/scratch-MenuSystem.pptx
@@ -5,20 +5,22 @@
     <p:sldMasterId id="2147483845" r:id="rId1"/>
   </p:sldMasterIdLst>
   <p:notesMasterIdLst>
-    <p:notesMasterId r:id="rId10"/>
+    <p:notesMasterId r:id="rId12"/>
   </p:notesMasterIdLst>
   <p:handoutMasterIdLst>
-    <p:handoutMasterId r:id="rId11"/>
+    <p:handoutMasterId r:id="rId13"/>
   </p:handoutMasterIdLst>
   <p:sldIdLst>
     <p:sldId id="287" r:id="rId2"/>
     <p:sldId id="286" r:id="rId3"/>
     <p:sldId id="275" r:id="rId4"/>
-    <p:sldId id="276" r:id="rId5"/>
-    <p:sldId id="278" r:id="rId6"/>
-    <p:sldId id="288" r:id="rId7"/>
-    <p:sldId id="285" r:id="rId8"/>
-    <p:sldId id="274" r:id="rId9"/>
+    <p:sldId id="278" r:id="rId5"/>
+    <p:sldId id="276" r:id="rId6"/>
+    <p:sldId id="290" r:id="rId7"/>
+    <p:sldId id="291" r:id="rId8"/>
+    <p:sldId id="289" r:id="rId9"/>
+    <p:sldId id="285" r:id="rId10"/>
+    <p:sldId id="274" r:id="rId11"/>
   </p:sldIdLst>
   <p:sldSz cx="9144000" cy="6858000" type="screen4x3"/>
   <p:notesSz cx="6858000" cy="9144000"/>
@@ -218,7 +220,7 @@
           <a:p>
             <a:fld id="{E354B44E-40A3-0E46-B16A-9BF1250A248B}" type="datetimeFigureOut">
               <a:rPr lang="en-US" smtClean="0"/>
-              <a:t>2/10/17</a:t>
+              <a:t>12/29/19</a:t>
             </a:fld>
             <a:endParaRPr lang="en-US"/>
           </a:p>
@@ -384,7 +386,7 @@
           <a:p>
             <a:fld id="{C86AD16C-2DB4-6642-BAD4-9ED973A087A0}" type="datetimeFigureOut">
               <a:rPr lang="en-US" smtClean="0"/>
-              <a:t>2/10/17</a:t>
+              <a:t>12/29/19</a:t>
             </a:fld>
             <a:endParaRPr lang="en-US"/>
           </a:p>
@@ -448,38 +450,37 @@
           <a:p>
             <a:pPr lvl="0"/>
             <a:r>
-              <a:rPr lang="en-US" smtClean="0"/>
+              <a:rPr lang="en-US"/>
               <a:t>Click to edit Master text styles</a:t>
             </a:r>
           </a:p>
           <a:p>
             <a:pPr lvl="1"/>
             <a:r>
-              <a:rPr lang="en-US" smtClean="0"/>
+              <a:rPr lang="en-US"/>
               <a:t>Second level</a:t>
             </a:r>
           </a:p>
           <a:p>
             <a:pPr lvl="2"/>
             <a:r>
-              <a:rPr lang="en-US" smtClean="0"/>
+              <a:rPr lang="en-US"/>
               <a:t>Third level</a:t>
             </a:r>
           </a:p>
           <a:p>
             <a:pPr lvl="3"/>
             <a:r>
-              <a:rPr lang="en-US" smtClean="0"/>
+              <a:rPr lang="en-US"/>
               <a:t>Fourth level</a:t>
             </a:r>
           </a:p>
           <a:p>
             <a:pPr lvl="4"/>
             <a:r>
-              <a:rPr lang="en-US" smtClean="0"/>
+              <a:rPr lang="en-US"/>
               <a:t>Fifth level</a:t>
             </a:r>
-            <a:endParaRPr lang="en-US"/>
           </a:p>
         </p:txBody>
       </p:sp>
@@ -802,7 +803,7 @@
           <a:p>
             <a:fld id="{1E5BF589-3978-3C45-966B-D7B7A71F2A02}" type="slidenum">
               <a:rPr lang="en-US" smtClean="0"/>
-              <a:t>8</a:t>
+              <a:t>10</a:t>
             </a:fld>
             <a:endParaRPr lang="en-US"/>
           </a:p>
@@ -853,9 +854,9 @@
           <a:bodyPr/>
           <a:lstStyle/>
           <a:p>
-            <a:fld id="{725AFE7A-65D4-4E4C-9D2A-66E89FB66668}" type="datetime1">
+            <a:fld id="{618128F5-EC59-2E43-BCAC-95617389D122}" type="datetime1">
               <a:rPr lang="en-US" smtClean="0"/>
-              <a:t>2/10/17</a:t>
+              <a:t>12/29/19</a:t>
             </a:fld>
             <a:endParaRPr lang="en-US"/>
           </a:p>
@@ -877,8 +878,8 @@
           <a:lstStyle/>
           <a:p>
             <a:r>
-              <a:rPr lang="sk-SK" smtClean="0"/>
-              <a:t>© 2015 EV3Lessons.com, Last edit 02/10/2017</a:t>
+              <a:rPr lang="sk-SK"/>
+              <a:t>© 2020 EV3Lessons.com, Last edit 12/29/2019</a:t>
             </a:r>
             <a:endParaRPr lang="en-US"/>
           </a:p>
@@ -1148,7 +1149,7 @@
           </a:lstStyle>
           <a:p>
             <a:r>
-              <a:rPr lang="en-US" smtClean="0"/>
+              <a:rPr lang="en-US"/>
               <a:t>Click to edit Master title style</a:t>
             </a:r>
             <a:endParaRPr dirty="0"/>
@@ -1283,7 +1284,7 @@
           </a:lstStyle>
           <a:p>
             <a:r>
-              <a:rPr lang="en-US" smtClean="0"/>
+              <a:rPr lang="en-US"/>
               <a:t>Click to edit Master subtitle style</a:t>
             </a:r>
             <a:endParaRPr dirty="0"/>
@@ -1359,62 +1360,16 @@
           <a:lstStyle/>
           <a:p>
             <a:r>
-              <a:rPr lang="en-US" sz="3600" dirty="0" smtClean="0">
+              <a:rPr lang="en-US" sz="3600" dirty="0">
                 <a:solidFill>
                   <a:schemeClr val="bg1"/>
                 </a:solidFill>
               </a:rPr>
               <a:t>ADVANCED EV3 PROGRAMMING LESSON</a:t>
             </a:r>
-            <a:endParaRPr lang="en-US" sz="3600" dirty="0">
-              <a:solidFill>
-                <a:schemeClr val="bg1"/>
-              </a:solidFill>
-            </a:endParaRPr>
-          </a:p>
-        </p:txBody>
-      </p:sp>
-      <p:pic>
-        <p:nvPicPr>
-          <p:cNvPr id="15" name="Picture 14" descr="EV3Lessons.com"/>
-          <p:cNvPicPr>
-            <a:picLocks noChangeAspect="1" noChangeArrowheads="1"/>
-          </p:cNvPicPr>
-          <p:nvPr/>
-        </p:nvPicPr>
-        <p:blipFill>
-          <a:blip r:embed="rId2" cstate="email">
-            <a:extLst>
-              <a:ext uri="{28A0092B-C50C-407E-A947-70E740481C1C}">
-                <a14:useLocalDpi xmlns:a14="http://schemas.microsoft.com/office/drawing/2010/main" val="0"/>
-              </a:ext>
-            </a:extLst>
-          </a:blip>
-          <a:srcRect/>
-          <a:stretch>
-            <a:fillRect/>
-          </a:stretch>
-        </p:blipFill>
-        <p:spPr bwMode="auto">
-          <a:xfrm>
-            <a:off x="5820917" y="473502"/>
-            <a:ext cx="2940317" cy="1092118"/>
-          </a:xfrm>
-          <a:prstGeom prst="rect">
-            <a:avLst/>
-          </a:prstGeom>
-          <a:noFill/>
-          <a:extLst>
-            <a:ext uri="{909E8E84-426E-40dd-AFC4-6F175D3DCCD1}">
-              <a14:hiddenFill xmlns:a14="http://schemas.microsoft.com/office/drawing/2010/main" xmlns="">
-                <a:solidFill>
-                  <a:srgbClr val="FFFFFF"/>
-                </a:solidFill>
-              </a14:hiddenFill>
-            </a:ext>
-          </a:extLst>
-        </p:spPr>
-      </p:pic>
+          </a:p>
+        </p:txBody>
+      </p:sp>
       <p:cxnSp>
         <p:nvCxnSpPr>
           <p:cNvPr id="17" name="Straight Connector 16"/>
@@ -1451,18 +1406,10 @@
         </p:style>
       </p:cxnSp>
     </p:spTree>
-    <p:extLst/>
   </p:cSld>
   <p:clrMapOvr>
     <a:masterClrMapping/>
   </p:clrMapOvr>
-  <p:timing>
-    <p:tnLst>
-      <p:par>
-        <p:cTn id="1" dur="indefinite" restart="never" nodeType="tmRoot"/>
-      </p:par>
-    </p:tnLst>
-  </p:timing>
 </p:sldLayout>
 </file>
 
@@ -1504,35 +1451,35 @@
           <a:p>
             <a:pPr lvl="0"/>
             <a:r>
-              <a:rPr lang="en-US" smtClean="0"/>
+              <a:rPr lang="en-US"/>
               <a:t>Click to edit Master text styles</a:t>
             </a:r>
           </a:p>
           <a:p>
             <a:pPr lvl="1"/>
             <a:r>
-              <a:rPr lang="en-US" smtClean="0"/>
+              <a:rPr lang="en-US"/>
               <a:t>Second level</a:t>
             </a:r>
           </a:p>
           <a:p>
             <a:pPr lvl="2"/>
             <a:r>
-              <a:rPr lang="en-US" smtClean="0"/>
+              <a:rPr lang="en-US"/>
               <a:t>Third level</a:t>
             </a:r>
           </a:p>
           <a:p>
             <a:pPr lvl="3"/>
             <a:r>
-              <a:rPr lang="en-US" smtClean="0"/>
+              <a:rPr lang="en-US"/>
               <a:t>Fourth level</a:t>
             </a:r>
           </a:p>
           <a:p>
             <a:pPr lvl="4"/>
             <a:r>
-              <a:rPr lang="en-US" smtClean="0"/>
+              <a:rPr lang="en-US"/>
               <a:t>Fifth level</a:t>
             </a:r>
             <a:endParaRPr dirty="0"/>
@@ -1554,9 +1501,9 @@
           <a:bodyPr/>
           <a:lstStyle/>
           <a:p>
-            <a:fld id="{16936579-90F3-4F43-98D6-D1136650F760}" type="datetime1">
+            <a:fld id="{2933F938-E075-B042-B09A-99782E64D068}" type="datetime1">
               <a:rPr lang="en-US" smtClean="0"/>
-              <a:t>2/10/17</a:t>
+              <a:t>12/29/19</a:t>
             </a:fld>
             <a:endParaRPr lang="en-US"/>
           </a:p>
@@ -1578,8 +1525,8 @@
           <a:lstStyle/>
           <a:p>
             <a:r>
-              <a:rPr lang="sk-SK" smtClean="0"/>
-              <a:t>© 2015 EV3Lessons.com, Last edit 02/10/2017</a:t>
+              <a:rPr lang="sk-SK"/>
+              <a:t>© 2020 EV3Lessons.com, Last edit 12/29/2019</a:t>
             </a:r>
             <a:endParaRPr lang="en-US"/>
           </a:p>
@@ -1777,26 +1724,17 @@
           <a:lstStyle/>
           <a:p>
             <a:r>
-              <a:rPr lang="en-US" smtClean="0"/>
+              <a:rPr lang="en-US"/>
               <a:t>Click to edit Master title style</a:t>
             </a:r>
-            <a:endParaRPr lang="en-US"/>
           </a:p>
         </p:txBody>
       </p:sp>
     </p:spTree>
-    <p:extLst/>
   </p:cSld>
   <p:clrMapOvr>
     <a:masterClrMapping/>
   </p:clrMapOvr>
-  <p:timing>
-    <p:tnLst>
-      <p:par>
-        <p:cTn id="1" dur="indefinite" restart="never" nodeType="tmRoot"/>
-      </p:par>
-    </p:tnLst>
-  </p:timing>
 </p:sldLayout>
 </file>
 
@@ -1838,10 +1776,9 @@
           <a:lstStyle/>
           <a:p>
             <a:r>
-              <a:rPr lang="en-US" smtClean="0"/>
+              <a:rPr lang="en-US"/>
               <a:t>Click to edit Master title style</a:t>
             </a:r>
-            <a:endParaRPr lang="en-US"/>
           </a:p>
         </p:txBody>
       </p:sp>
@@ -2013,9 +1950,9 @@
           <a:bodyPr/>
           <a:lstStyle/>
           <a:p>
-            <a:fld id="{3DAAC15B-9056-774D-B603-2D55CA98627B}" type="datetime1">
+            <a:fld id="{73EE85B7-3DA8-214F-A2C0-9297ECF93896}" type="datetime1">
               <a:rPr lang="en-US" smtClean="0"/>
-              <a:t>2/10/17</a:t>
+              <a:t>12/29/19</a:t>
             </a:fld>
             <a:endParaRPr lang="en-US" dirty="0"/>
           </a:p>
@@ -2037,8 +1974,8 @@
           <a:lstStyle/>
           <a:p>
             <a:r>
-              <a:rPr lang="sk-SK" smtClean="0"/>
-              <a:t>© 2015 EV3Lessons.com, Last edit 02/10/2017</a:t>
+              <a:rPr lang="sk-SK"/>
+              <a:t>© 2020 EV3Lessons.com, Last edit 12/29/2019</a:t>
             </a:r>
             <a:endParaRPr lang="en-US" dirty="0"/>
           </a:p>
@@ -2076,18 +2013,10 @@
         </p:txBody>
       </p:sp>
     </p:spTree>
-    <p:extLst/>
   </p:cSld>
   <p:clrMapOvr>
     <a:masterClrMapping/>
   </p:clrMapOvr>
-  <p:timing>
-    <p:tnLst>
-      <p:par>
-        <p:cTn id="1" dur="indefinite" restart="never" nodeType="tmRoot"/>
-      </p:par>
-    </p:tnLst>
-  </p:timing>
 </p:sldLayout>
 </file>
 
@@ -2124,10 +2053,9 @@
           <a:lstStyle/>
           <a:p>
             <a:r>
-              <a:rPr lang="en-US" smtClean="0"/>
+              <a:rPr lang="en-US"/>
               <a:t>Click to edit Master title style</a:t>
             </a:r>
-            <a:endParaRPr lang="en-US"/>
           </a:p>
         </p:txBody>
       </p:sp>
@@ -2336,35 +2264,35 @@
           <a:p>
             <a:pPr lvl="0"/>
             <a:r>
-              <a:rPr lang="en-US" smtClean="0"/>
+              <a:rPr lang="en-US"/>
               <a:t>Click to edit Master text styles</a:t>
             </a:r>
           </a:p>
           <a:p>
             <a:pPr lvl="1"/>
             <a:r>
-              <a:rPr lang="en-US" smtClean="0"/>
+              <a:rPr lang="en-US"/>
               <a:t>Second level</a:t>
             </a:r>
           </a:p>
           <a:p>
             <a:pPr lvl="2"/>
             <a:r>
-              <a:rPr lang="en-US" smtClean="0"/>
+              <a:rPr lang="en-US"/>
               <a:t>Third level</a:t>
             </a:r>
           </a:p>
           <a:p>
             <a:pPr lvl="3"/>
             <a:r>
-              <a:rPr lang="en-US" smtClean="0"/>
+              <a:rPr lang="en-US"/>
               <a:t>Fourth level</a:t>
             </a:r>
           </a:p>
           <a:p>
             <a:pPr lvl="4"/>
             <a:r>
-              <a:rPr lang="en-US" smtClean="0"/>
+              <a:rPr lang="en-US"/>
               <a:t>Fifth level</a:t>
             </a:r>
             <a:endParaRPr dirty="0"/>
@@ -2423,35 +2351,35 @@
           <a:p>
             <a:pPr lvl="0"/>
             <a:r>
-              <a:rPr lang="en-US" smtClean="0"/>
+              <a:rPr lang="en-US"/>
               <a:t>Click to edit Master text styles</a:t>
             </a:r>
           </a:p>
           <a:p>
             <a:pPr lvl="1"/>
             <a:r>
-              <a:rPr lang="en-US" smtClean="0"/>
+              <a:rPr lang="en-US"/>
               <a:t>Second level</a:t>
             </a:r>
           </a:p>
           <a:p>
             <a:pPr lvl="2"/>
             <a:r>
-              <a:rPr lang="en-US" smtClean="0"/>
+              <a:rPr lang="en-US"/>
               <a:t>Third level</a:t>
             </a:r>
           </a:p>
           <a:p>
             <a:pPr lvl="3"/>
             <a:r>
-              <a:rPr lang="en-US" smtClean="0"/>
+              <a:rPr lang="en-US"/>
               <a:t>Fourth level</a:t>
             </a:r>
           </a:p>
           <a:p>
             <a:pPr lvl="4"/>
             <a:r>
-              <a:rPr lang="en-US" smtClean="0"/>
+              <a:rPr lang="en-US"/>
               <a:t>Fifth level</a:t>
             </a:r>
             <a:endParaRPr dirty="0"/>
@@ -2473,9 +2401,9 @@
           <a:bodyPr/>
           <a:lstStyle/>
           <a:p>
-            <a:fld id="{49FA9E13-1725-7F49-B096-5E52531BE606}" type="datetime1">
+            <a:fld id="{E79BCA0F-6F8C-AF4F-99D2-5DD45B325F43}" type="datetime1">
               <a:rPr lang="en-US" smtClean="0"/>
-              <a:t>2/10/17</a:t>
+              <a:t>12/29/19</a:t>
             </a:fld>
             <a:endParaRPr lang="en-US"/>
           </a:p>
@@ -2643,18 +2571,10 @@
         </p:txBody>
       </p:sp>
     </p:spTree>
-    <p:extLst/>
   </p:cSld>
   <p:clrMapOvr>
     <a:masterClrMapping/>
   </p:clrMapOvr>
-  <p:timing>
-    <p:tnLst>
-      <p:par>
-        <p:cTn id="1" dur="indefinite" restart="never" nodeType="tmRoot"/>
-      </p:par>
-    </p:tnLst>
-  </p:timing>
 </p:sldLayout>
 </file>
 
@@ -2691,10 +2611,9 @@
           <a:lstStyle/>
           <a:p>
             <a:r>
-              <a:rPr lang="en-US" smtClean="0"/>
+              <a:rPr lang="en-US"/>
               <a:t>Click to edit Master title style</a:t>
             </a:r>
-            <a:endParaRPr lang="en-US"/>
           </a:p>
         </p:txBody>
       </p:sp>
@@ -2922,7 +2841,7 @@
           <a:p>
             <a:pPr lvl="0"/>
             <a:r>
-              <a:rPr lang="en-US" smtClean="0"/>
+              <a:rPr lang="en-US"/>
               <a:t>Click to edit Master text styles</a:t>
             </a:r>
           </a:p>
@@ -2980,35 +2899,35 @@
           <a:p>
             <a:pPr lvl="0"/>
             <a:r>
-              <a:rPr lang="en-US" smtClean="0"/>
+              <a:rPr lang="en-US"/>
               <a:t>Click to edit Master text styles</a:t>
             </a:r>
           </a:p>
           <a:p>
             <a:pPr lvl="1"/>
             <a:r>
-              <a:rPr lang="en-US" smtClean="0"/>
+              <a:rPr lang="en-US"/>
               <a:t>Second level</a:t>
             </a:r>
           </a:p>
           <a:p>
             <a:pPr lvl="2"/>
             <a:r>
-              <a:rPr lang="en-US" smtClean="0"/>
+              <a:rPr lang="en-US"/>
               <a:t>Third level</a:t>
             </a:r>
           </a:p>
           <a:p>
             <a:pPr lvl="3"/>
             <a:r>
-              <a:rPr lang="en-US" smtClean="0"/>
+              <a:rPr lang="en-US"/>
               <a:t>Fourth level</a:t>
             </a:r>
           </a:p>
           <a:p>
             <a:pPr lvl="4"/>
             <a:r>
-              <a:rPr lang="en-US" smtClean="0"/>
+              <a:rPr lang="en-US"/>
               <a:t>Fifth level</a:t>
             </a:r>
             <a:endParaRPr dirty="0"/>
@@ -3086,7 +3005,7 @@
           <a:p>
             <a:pPr lvl="0"/>
             <a:r>
-              <a:rPr lang="en-US" smtClean="0"/>
+              <a:rPr lang="en-US"/>
               <a:t>Click to edit Master text styles</a:t>
             </a:r>
           </a:p>
@@ -3144,35 +3063,35 @@
           <a:p>
             <a:pPr lvl="0"/>
             <a:r>
-              <a:rPr lang="en-US" smtClean="0"/>
+              <a:rPr lang="en-US"/>
               <a:t>Click to edit Master text styles</a:t>
             </a:r>
           </a:p>
           <a:p>
             <a:pPr lvl="1"/>
             <a:r>
-              <a:rPr lang="en-US" smtClean="0"/>
+              <a:rPr lang="en-US"/>
               <a:t>Second level</a:t>
             </a:r>
           </a:p>
           <a:p>
             <a:pPr lvl="2"/>
             <a:r>
-              <a:rPr lang="en-US" smtClean="0"/>
+              <a:rPr lang="en-US"/>
               <a:t>Third level</a:t>
             </a:r>
           </a:p>
           <a:p>
             <a:pPr lvl="3"/>
             <a:r>
-              <a:rPr lang="en-US" smtClean="0"/>
+              <a:rPr lang="en-US"/>
               <a:t>Fourth level</a:t>
             </a:r>
           </a:p>
           <a:p>
             <a:pPr lvl="4"/>
             <a:r>
-              <a:rPr lang="en-US" smtClean="0"/>
+              <a:rPr lang="en-US"/>
               <a:t>Fifth level</a:t>
             </a:r>
             <a:endParaRPr dirty="0"/>
@@ -3194,9 +3113,9 @@
           <a:bodyPr/>
           <a:lstStyle/>
           <a:p>
-            <a:fld id="{A86979CD-FFF9-7242-9605-1394662E390C}" type="datetime1">
+            <a:fld id="{95EE47B9-1D8D-394F-A387-35C94520060B}" type="datetime1">
               <a:rPr lang="en-US" smtClean="0"/>
-              <a:t>2/10/17</a:t>
+              <a:t>12/29/19</a:t>
             </a:fld>
             <a:endParaRPr lang="en-US"/>
           </a:p>
@@ -3218,8 +3137,8 @@
           <a:lstStyle/>
           <a:p>
             <a:r>
-              <a:rPr lang="sk-SK" smtClean="0"/>
-              <a:t>© 2015 EV3Lessons.com, Last edit 02/10/2017</a:t>
+              <a:rPr lang="sk-SK"/>
+              <a:t>© 2020 EV3Lessons.com, Last edit 12/29/2019</a:t>
             </a:r>
             <a:endParaRPr lang="en-US"/>
           </a:p>
@@ -3249,18 +3168,10 @@
         </p:txBody>
       </p:sp>
     </p:spTree>
-    <p:extLst/>
   </p:cSld>
   <p:clrMapOvr>
     <a:masterClrMapping/>
   </p:clrMapOvr>
-  <p:timing>
-    <p:tnLst>
-      <p:par>
-        <p:cTn id="1" dur="indefinite" restart="never" nodeType="tmRoot"/>
-      </p:par>
-    </p:tnLst>
-  </p:timing>
 </p:sldLayout>
 </file>
 
@@ -3297,10 +3208,9 @@
           <a:lstStyle/>
           <a:p>
             <a:r>
-              <a:rPr lang="en-US" smtClean="0"/>
+              <a:rPr lang="en-US"/>
               <a:t>Click to edit Master title style</a:t>
             </a:r>
-            <a:endParaRPr lang="en-US"/>
           </a:p>
         </p:txBody>
       </p:sp>
@@ -3472,9 +3382,9 @@
           <a:bodyPr/>
           <a:lstStyle/>
           <a:p>
-            <a:fld id="{CC562F8C-A989-7740-8C35-7063E056B0F8}" type="datetime1">
+            <a:fld id="{6FD49CE6-415C-8A43-9119-9A014A86A31D}" type="datetime1">
               <a:rPr lang="en-US" smtClean="0"/>
-              <a:t>2/10/17</a:t>
+              <a:t>12/29/19</a:t>
             </a:fld>
             <a:endParaRPr lang="en-US"/>
           </a:p>
@@ -3496,8 +3406,8 @@
           <a:lstStyle/>
           <a:p>
             <a:r>
-              <a:rPr lang="sk-SK" smtClean="0"/>
-              <a:t>© 2015 EV3Lessons.com, Last edit 02/10/2017</a:t>
+              <a:rPr lang="sk-SK"/>
+              <a:t>© 2020 EV3Lessons.com, Last edit 12/29/2019</a:t>
             </a:r>
             <a:endParaRPr lang="en-US"/>
           </a:p>
@@ -3527,18 +3437,10 @@
         </p:txBody>
       </p:sp>
     </p:spTree>
-    <p:extLst/>
   </p:cSld>
   <p:clrMapOvr>
     <a:masterClrMapping/>
   </p:clrMapOvr>
-  <p:timing>
-    <p:tnLst>
-      <p:par>
-        <p:cTn id="1" dur="indefinite" restart="never" nodeType="tmRoot"/>
-      </p:par>
-    </p:tnLst>
-  </p:timing>
 </p:sldLayout>
 </file>
 
@@ -3738,35 +3640,35 @@
           <a:p>
             <a:pPr lvl="0"/>
             <a:r>
-              <a:rPr lang="en-US" smtClean="0"/>
+              <a:rPr lang="en-US"/>
               <a:t>Click to edit Master text styles</a:t>
             </a:r>
           </a:p>
           <a:p>
             <a:pPr lvl="1"/>
             <a:r>
-              <a:rPr lang="en-US" smtClean="0"/>
+              <a:rPr lang="en-US"/>
               <a:t>Second level</a:t>
             </a:r>
           </a:p>
           <a:p>
             <a:pPr lvl="2"/>
             <a:r>
-              <a:rPr lang="en-US" smtClean="0"/>
+              <a:rPr lang="en-US"/>
               <a:t>Third level</a:t>
             </a:r>
           </a:p>
           <a:p>
             <a:pPr lvl="3"/>
             <a:r>
-              <a:rPr lang="en-US" smtClean="0"/>
+              <a:rPr lang="en-US"/>
               <a:t>Fourth level</a:t>
             </a:r>
           </a:p>
           <a:p>
             <a:pPr lvl="4"/>
             <a:r>
-              <a:rPr lang="en-US" smtClean="0"/>
+              <a:rPr lang="en-US"/>
               <a:t>Fifth level</a:t>
             </a:r>
             <a:endParaRPr dirty="0"/>
@@ -3788,9 +3690,9 @@
           <a:bodyPr/>
           <a:lstStyle/>
           <a:p>
-            <a:fld id="{B5E89777-1166-364A-8950-3AA9DF1FEF55}" type="datetime1">
+            <a:fld id="{963A9523-998C-9549-91D5-C9F5A1919DC8}" type="datetime1">
               <a:rPr lang="en-US" smtClean="0"/>
-              <a:t>2/10/17</a:t>
+              <a:t>12/29/19</a:t>
             </a:fld>
             <a:endParaRPr lang="en-US"/>
           </a:p>
@@ -3812,8 +3714,8 @@
           <a:lstStyle/>
           <a:p>
             <a:r>
-              <a:rPr lang="sk-SK" smtClean="0"/>
-              <a:t>© 2015 EV3Lessons.com, Last edit 02/10/2017</a:t>
+              <a:rPr lang="sk-SK"/>
+              <a:t>© 2020 EV3Lessons.com, Last edit 12/29/2019</a:t>
             </a:r>
             <a:endParaRPr lang="en-US"/>
           </a:p>
@@ -3858,26 +3760,17 @@
           <a:lstStyle/>
           <a:p>
             <a:r>
-              <a:rPr lang="en-US" smtClean="0"/>
+              <a:rPr lang="en-US"/>
               <a:t>Click to edit Master title style</a:t>
             </a:r>
-            <a:endParaRPr lang="en-US"/>
           </a:p>
         </p:txBody>
       </p:sp>
     </p:spTree>
-    <p:extLst/>
   </p:cSld>
   <p:clrMapOvr>
     <a:masterClrMapping/>
   </p:clrMapOvr>
-  <p:timing>
-    <p:tnLst>
-      <p:par>
-        <p:cTn id="1" dur="indefinite" restart="never" nodeType="tmRoot"/>
-      </p:par>
-    </p:tnLst>
-  </p:timing>
 </p:sldLayout>
 </file>
 
@@ -3925,10 +3818,9 @@
           </a:lstStyle>
           <a:p>
             <a:r>
-              <a:rPr lang="en-US" smtClean="0"/>
+              <a:rPr lang="en-US"/>
               <a:t>Click to edit Master title style</a:t>
             </a:r>
-            <a:endParaRPr lang="en-US"/>
           </a:p>
         </p:txBody>
       </p:sp>
@@ -3958,35 +3850,35 @@
           <a:p>
             <a:pPr lvl="0"/>
             <a:r>
-              <a:rPr lang="en-US" smtClean="0"/>
+              <a:rPr lang="en-US"/>
               <a:t>Click to edit Master text styles</a:t>
             </a:r>
           </a:p>
           <a:p>
             <a:pPr lvl="1"/>
             <a:r>
-              <a:rPr lang="en-US" smtClean="0"/>
+              <a:rPr lang="en-US"/>
               <a:t>Second level</a:t>
             </a:r>
           </a:p>
           <a:p>
             <a:pPr lvl="2"/>
             <a:r>
-              <a:rPr lang="en-US" smtClean="0"/>
+              <a:rPr lang="en-US"/>
               <a:t>Third level</a:t>
             </a:r>
           </a:p>
           <a:p>
             <a:pPr lvl="3"/>
             <a:r>
-              <a:rPr lang="en-US" smtClean="0"/>
+              <a:rPr lang="en-US"/>
               <a:t>Fourth level</a:t>
             </a:r>
           </a:p>
           <a:p>
             <a:pPr lvl="4"/>
             <a:r>
-              <a:rPr lang="en-US" smtClean="0"/>
+              <a:rPr lang="en-US"/>
               <a:t>Fifth level</a:t>
             </a:r>
             <a:endParaRPr dirty="0"/>
@@ -4013,9 +3905,9 @@
           <a:bodyPr/>
           <a:lstStyle/>
           <a:p>
-            <a:fld id="{C5ADF7F7-D98D-C54F-90E0-B49C970D32FC}" type="datetime1">
+            <a:fld id="{B6A1C6E4-255A-C74E-97EC-1A17C02E435B}" type="datetime1">
               <a:rPr lang="en-US" smtClean="0"/>
-              <a:t>2/10/17</a:t>
+              <a:t>12/29/19</a:t>
             </a:fld>
             <a:endParaRPr lang="en-US"/>
           </a:p>
@@ -4037,8 +3929,8 @@
           <a:lstStyle/>
           <a:p>
             <a:r>
-              <a:rPr lang="sk-SK" smtClean="0"/>
-              <a:t>© 2015 EV3Lessons.com, Last edit 02/10/2017</a:t>
+              <a:rPr lang="sk-SK"/>
+              <a:t>© 2020 EV3Lessons.com, Last edit 12/29/2019</a:t>
             </a:r>
             <a:endParaRPr lang="en-US"/>
           </a:p>
@@ -4226,18 +4118,10 @@
         </p:sp>
       </p:grpSp>
     </p:spTree>
-    <p:extLst/>
   </p:cSld>
   <p:clrMapOvr>
     <a:masterClrMapping/>
   </p:clrMapOvr>
-  <p:timing>
-    <p:tnLst>
-      <p:par>
-        <p:cTn id="1" dur="indefinite" restart="never" nodeType="tmRoot"/>
-      </p:par>
-    </p:tnLst>
-  </p:timing>
 </p:sldLayout>
 </file>
 
@@ -4274,10 +4158,9 @@
           <a:lstStyle/>
           <a:p>
             <a:r>
-              <a:rPr lang="en-US" smtClean="0"/>
+              <a:rPr lang="en-US"/>
               <a:t>Click to edit Master title style</a:t>
             </a:r>
-            <a:endParaRPr lang="en-US"/>
           </a:p>
         </p:txBody>
       </p:sp>
@@ -4296,9 +4179,9 @@
           <a:bodyPr/>
           <a:lstStyle/>
           <a:p>
-            <a:fld id="{34091D6A-0EEF-B848-9461-B9F58736F8BE}" type="datetime1">
+            <a:fld id="{6DBF639F-A2D6-D84C-8030-A3A43F517B3E}" type="datetime1">
               <a:rPr lang="en-US" smtClean="0"/>
-              <a:t>2/10/17</a:t>
+              <a:t>12/29/19</a:t>
             </a:fld>
             <a:endParaRPr lang="en-US" dirty="0"/>
           </a:p>
@@ -4320,8 +4203,8 @@
           <a:lstStyle/>
           <a:p>
             <a:r>
-              <a:rPr lang="sk-SK" smtClean="0"/>
-              <a:t>© 2015 EV3Lessons.com, Last edit 02/10/2017</a:t>
+              <a:rPr lang="sk-SK"/>
+              <a:t>© 2020 EV3Lessons.com, Last edit 12/29/2019</a:t>
             </a:r>
             <a:endParaRPr lang="en-US" dirty="0"/>
           </a:p>
@@ -4372,43 +4255,41 @@
           <a:p>
             <a:pPr lvl="0"/>
             <a:r>
-              <a:rPr lang="en-US" smtClean="0"/>
+              <a:rPr lang="en-US"/>
               <a:t>Click to edit Master text styles</a:t>
             </a:r>
           </a:p>
           <a:p>
             <a:pPr lvl="1"/>
             <a:r>
-              <a:rPr lang="en-US" smtClean="0"/>
+              <a:rPr lang="en-US"/>
               <a:t>Second level</a:t>
             </a:r>
           </a:p>
           <a:p>
             <a:pPr lvl="2"/>
             <a:r>
-              <a:rPr lang="en-US" smtClean="0"/>
+              <a:rPr lang="en-US"/>
               <a:t>Third level</a:t>
             </a:r>
           </a:p>
           <a:p>
             <a:pPr lvl="3"/>
             <a:r>
-              <a:rPr lang="en-US" smtClean="0"/>
+              <a:rPr lang="en-US"/>
               <a:t>Fourth level</a:t>
             </a:r>
           </a:p>
           <a:p>
             <a:pPr lvl="4"/>
             <a:r>
-              <a:rPr lang="en-US" smtClean="0"/>
+              <a:rPr lang="en-US"/>
               <a:t>Fifth level</a:t>
             </a:r>
-            <a:endParaRPr lang="en-US"/>
           </a:p>
         </p:txBody>
       </p:sp>
     </p:spTree>
-    <p:extLst/>
   </p:cSld>
   <p:clrMapOvr>
     <a:masterClrMapping/>
@@ -4468,35 +4349,35 @@
           <a:p>
             <a:pPr lvl="0"/>
             <a:r>
-              <a:rPr lang="en-US" smtClean="0"/>
+              <a:rPr lang="en-US"/>
               <a:t>Click to edit Master text styles</a:t>
             </a:r>
           </a:p>
           <a:p>
             <a:pPr lvl="1"/>
             <a:r>
-              <a:rPr lang="en-US" smtClean="0"/>
+              <a:rPr lang="en-US"/>
               <a:t>Second level</a:t>
             </a:r>
           </a:p>
           <a:p>
             <a:pPr lvl="2"/>
             <a:r>
-              <a:rPr lang="en-US" smtClean="0"/>
+              <a:rPr lang="en-US"/>
               <a:t>Third level</a:t>
             </a:r>
           </a:p>
           <a:p>
             <a:pPr lvl="3"/>
             <a:r>
-              <a:rPr lang="en-US" smtClean="0"/>
+              <a:rPr lang="en-US"/>
               <a:t>Fourth level</a:t>
             </a:r>
           </a:p>
           <a:p>
             <a:pPr lvl="4"/>
             <a:r>
-              <a:rPr lang="en-US" smtClean="0"/>
+              <a:rPr lang="en-US"/>
               <a:t>Fifth level</a:t>
             </a:r>
             <a:endParaRPr dirty="0"/>
@@ -4536,9 +4417,9 @@
             </a:lvl1pPr>
           </a:lstStyle>
           <a:p>
-            <a:fld id="{FD205A87-4E58-FD4E-BDEA-6DA3ED38F3D7}" type="datetime1">
+            <a:fld id="{3740B528-FEAD-6949-8E88-0811F15DF264}" type="datetime1">
               <a:rPr lang="en-US" smtClean="0"/>
-              <a:t>2/10/17</a:t>
+              <a:t>12/29/19</a:t>
             </a:fld>
             <a:endParaRPr lang="en-US" dirty="0"/>
           </a:p>
@@ -4578,8 +4459,8 @@
           </a:lstStyle>
           <a:p>
             <a:r>
-              <a:rPr lang="sk-SK" smtClean="0"/>
-              <a:t>© 2015 EV3Lessons.com, Last edit 02/10/2017</a:t>
+              <a:rPr lang="sk-SK"/>
+              <a:t>© 2020 EV3Lessons.com, Last edit 12/29/2019</a:t>
             </a:r>
             <a:endParaRPr lang="en-US" dirty="0"/>
           </a:p>
@@ -4616,7 +4497,7 @@
           <a:lstStyle/>
           <a:p>
             <a:r>
-              <a:rPr lang="en-US" smtClean="0"/>
+              <a:rPr lang="en-US"/>
               <a:t>Click to edit Master title style</a:t>
             </a:r>
             <a:endParaRPr dirty="0"/>
@@ -4684,14 +4565,7 @@
     <p:sldLayoutId id="2147483853" r:id="rId8"/>
     <p:sldLayoutId id="2147483854" r:id="rId9"/>
   </p:sldLayoutIdLst>
-  <p:timing>
-    <p:tnLst>
-      <p:par>
-        <p:cTn id="1" dur="indefinite" restart="never" nodeType="tmRoot"/>
-      </p:par>
-    </p:tnLst>
-  </p:timing>
-  <p:hf hdr="0" dt="0"/>
+  <p:hf sldNum="0" hdr="0" dt="0"/>
   <p:txStyles>
     <p:titleStyle>
       <a:lvl1pPr marL="231775" indent="3175" algn="l" defTabSz="914400" rtl="0" eaLnBrk="1" latinLnBrk="0" hangingPunct="1">
@@ -5064,10 +4938,9 @@
           <a:lstStyle/>
           <a:p>
             <a:r>
-              <a:rPr lang="en-US" dirty="0" smtClean="0"/>
-              <a:t>Menu System</a:t>
-            </a:r>
-            <a:endParaRPr lang="en-US" dirty="0"/>
+              <a:rPr lang="en-US" dirty="0"/>
+              <a:t>EV3 Classroom: Menu System</a:t>
+            </a:r>
           </a:p>
         </p:txBody>
       </p:sp>
@@ -5087,22 +4960,27 @@
           <a:lstStyle/>
           <a:p>
             <a:r>
-              <a:rPr lang="en-US" dirty="0" smtClean="0"/>
+              <a:rPr lang="en-US" dirty="0"/>
               <a:t>By Sanjay and Arvind Seshan</a:t>
             </a:r>
-            <a:endParaRPr lang="en-US" dirty="0"/>
           </a:p>
         </p:txBody>
       </p:sp>
       <p:pic>
         <p:nvPicPr>
-          <p:cNvPr id="4" name="Picture 3"/>
+          <p:cNvPr id="5" name="Picture 4" descr="A close up of a sign&#10;&#10;Description automatically generated">
+            <a:extLst>
+              <a:ext uri="{FF2B5EF4-FFF2-40B4-BE49-F238E27FC236}">
+                <a16:creationId xmlns:a16="http://schemas.microsoft.com/office/drawing/2014/main" id="{CF74E868-EEB6-2A4A-9982-0E1BFABB6C1C}"/>
+              </a:ext>
+            </a:extLst>
+          </p:cNvPr>
           <p:cNvPicPr>
             <a:picLocks noChangeAspect="1"/>
           </p:cNvPicPr>
           <p:nvPr/>
         </p:nvPicPr>
-        <p:blipFill rotWithShape="1">
+        <p:blipFill>
           <a:blip r:embed="rId2">
             <a:extLst>
               <a:ext uri="{28A0092B-C50C-407E-A947-70E740481C1C}">
@@ -5110,13 +4988,43 @@
               </a:ext>
             </a:extLst>
           </a:blip>
-          <a:srcRect l="4523" t="17619" r="3095" b="25000"/>
+          <a:stretch>
+            <a:fillRect/>
+          </a:stretch>
+        </p:blipFill>
+        <p:spPr>
+          <a:xfrm>
+            <a:off x="3849851" y="4560307"/>
+            <a:ext cx="1444298" cy="1444298"/>
+          </a:xfrm>
+          <a:prstGeom prst="rect">
+            <a:avLst/>
+          </a:prstGeom>
+        </p:spPr>
+      </p:pic>
+      <p:pic>
+        <p:nvPicPr>
+          <p:cNvPr id="6" name="Picture 5" descr="A picture containing drawing&#10;&#10;Description automatically generated">
+            <a:extLst>
+              <a:ext uri="{FF2B5EF4-FFF2-40B4-BE49-F238E27FC236}">
+                <a16:creationId xmlns:a16="http://schemas.microsoft.com/office/drawing/2014/main" id="{CD3C2ED9-C02E-B140-9DE5-DFAD2FC05A13}"/>
+              </a:ext>
+            </a:extLst>
+          </p:cNvPr>
+          <p:cNvPicPr>
+            <a:picLocks noChangeAspect="1"/>
+          </p:cNvPicPr>
+          <p:nvPr/>
+        </p:nvPicPr>
+        <p:blipFill rotWithShape="1">
+          <a:blip r:embed="rId3"/>
+          <a:srcRect l="2055" t="7277" r="2818" b="5432"/>
           <a:stretch/>
         </p:blipFill>
         <p:spPr>
           <a:xfrm>
-            <a:off x="3459013" y="4560129"/>
-            <a:ext cx="2225974" cy="1382629"/>
+            <a:off x="5294149" y="268395"/>
+            <a:ext cx="3603295" cy="1385142"/>
           </a:xfrm>
           <a:prstGeom prst="rect">
             <a:avLst/>
@@ -5127,6 +5035,496 @@
     <p:extLst>
       <p:ext uri="{BB962C8B-B14F-4D97-AF65-F5344CB8AC3E}">
         <p14:creationId xmlns:p14="http://schemas.microsoft.com/office/powerpoint/2010/main" val="1762172968"/>
+      </p:ext>
+    </p:extLst>
+  </p:cSld>
+  <p:clrMapOvr>
+    <a:masterClrMapping/>
+  </p:clrMapOvr>
+</p:sld>
+</file>
+
+<file path=ppt/slides/slide10.xml><?xml version="1.0" encoding="utf-8"?>
+<p:sld xmlns:a="http://schemas.openxmlformats.org/drawingml/2006/main" xmlns:r="http://schemas.openxmlformats.org/officeDocument/2006/relationships" xmlns:p="http://schemas.openxmlformats.org/presentationml/2006/main">
+  <p:cSld>
+    <p:spTree>
+      <p:nvGrpSpPr>
+        <p:cNvPr id="1" name=""/>
+        <p:cNvGrpSpPr/>
+        <p:nvPr/>
+      </p:nvGrpSpPr>
+      <p:grpSpPr>
+        <a:xfrm>
+          <a:off x="0" y="0"/>
+          <a:ext cx="0" cy="0"/>
+          <a:chOff x="0" y="0"/>
+          <a:chExt cx="0" cy="0"/>
+        </a:xfrm>
+      </p:grpSpPr>
+      <p:sp>
+        <p:nvSpPr>
+          <p:cNvPr id="3" name="Content Placeholder 2"/>
+          <p:cNvSpPr>
+            <a:spLocks noGrp="1"/>
+          </p:cNvSpPr>
+          <p:nvPr>
+            <p:ph idx="1"/>
+          </p:nvPr>
+        </p:nvSpPr>
+        <p:spPr/>
+        <p:txBody>
+          <a:bodyPr/>
+          <a:lstStyle/>
+          <a:p>
+            <a:r>
+              <a:rPr lang="en-US"/>
+              <a:t>This tutorial was created by Sanjay Seshan and Arvind Seshan </a:t>
+            </a:r>
+          </a:p>
+          <a:p>
+            <a:r>
+              <a:rPr lang="en-US"/>
+              <a:t>More lessons at www.ev3lessons.com</a:t>
+            </a:r>
+            <a:endParaRPr lang="en-US" dirty="0"/>
+          </a:p>
+        </p:txBody>
+      </p:sp>
+      <p:sp>
+        <p:nvSpPr>
+          <p:cNvPr id="4" name="Footer Placeholder 3"/>
+          <p:cNvSpPr>
+            <a:spLocks noGrp="1"/>
+          </p:cNvSpPr>
+          <p:nvPr>
+            <p:ph type="ftr" sz="quarter" idx="11"/>
+          </p:nvPr>
+        </p:nvSpPr>
+        <p:spPr/>
+        <p:txBody>
+          <a:bodyPr/>
+          <a:lstStyle/>
+          <a:p>
+            <a:r>
+              <a:rPr lang="sk-SK"/>
+              <a:t>© 2020 EV3Lessons.com, Last edit 12/29/2019</a:t>
+            </a:r>
+            <a:endParaRPr lang="en-US"/>
+          </a:p>
+        </p:txBody>
+      </p:sp>
+      <p:sp>
+        <p:nvSpPr>
+          <p:cNvPr id="2" name="Title 1"/>
+          <p:cNvSpPr>
+            <a:spLocks noGrp="1"/>
+          </p:cNvSpPr>
+          <p:nvPr>
+            <p:ph type="title"/>
+          </p:nvPr>
+        </p:nvSpPr>
+        <p:spPr/>
+        <p:txBody>
+          <a:bodyPr/>
+          <a:lstStyle/>
+          <a:p>
+            <a:r>
+              <a:rPr lang="en-US"/>
+              <a:t>Credits</a:t>
+            </a:r>
+            <a:endParaRPr lang="en-US" dirty="0"/>
+          </a:p>
+        </p:txBody>
+      </p:sp>
+      <p:sp>
+        <p:nvSpPr>
+          <p:cNvPr id="5" name="Rectangle 1"/>
+          <p:cNvSpPr>
+            <a:spLocks noChangeArrowheads="1"/>
+          </p:cNvSpPr>
+          <p:nvPr/>
+        </p:nvSpPr>
+        <p:spPr bwMode="auto">
+          <a:xfrm>
+            <a:off x="457199" y="5391957"/>
+            <a:ext cx="7913347" cy="923330"/>
+          </a:xfrm>
+          <a:prstGeom prst="rect">
+            <a:avLst/>
+          </a:prstGeom>
+          <a:solidFill>
+            <a:srgbClr val="F5F5F5"/>
+          </a:solidFill>
+          <a:ln>
+            <a:noFill/>
+          </a:ln>
+          <a:effectLst/>
+          <a:extLst>
+            <a:ext uri="{91240B29-F687-4f45-9708-019B960494DF}">
+              <a14:hiddenLine xmlns="" xmlns:a14="http://schemas.microsoft.com/office/drawing/2010/main" w="9525">
+                <a:solidFill>
+                  <a:schemeClr val="tx1"/>
+                </a:solidFill>
+                <a:miter lim="800000"/>
+                <a:headEnd/>
+                <a:tailEnd/>
+              </a14:hiddenLine>
+            </a:ext>
+            <a:ext uri="{AF507438-7753-43e0-B8FC-AC1667EBCBE1}">
+              <a14:hiddenEffects xmlns="" xmlns:a14="http://schemas.microsoft.com/office/drawing/2010/main">
+                <a:effectLst>
+                  <a:outerShdw dist="35921" dir="2700000" algn="ctr" rotWithShape="0">
+                    <a:schemeClr val="bg2"/>
+                  </a:outerShdw>
+                </a:effectLst>
+              </a14:hiddenEffects>
+            </a:ext>
+          </a:extLst>
+        </p:spPr>
+        <p:txBody>
+          <a:bodyPr vert="horz" wrap="square" lIns="0" tIns="0" rIns="0" bIns="0" numCol="1" anchor="ctr" anchorCtr="0" compatLnSpc="1">
+            <a:prstTxWarp prst="textNoShape">
+              <a:avLst/>
+            </a:prstTxWarp>
+            <a:spAutoFit/>
+          </a:bodyPr>
+          <a:lstStyle>
+            <a:lvl1pPr eaLnBrk="0" fontAlgn="base" hangingPunct="0">
+              <a:spcBef>
+                <a:spcPct val="0"/>
+              </a:spcBef>
+              <a:spcAft>
+                <a:spcPct val="0"/>
+              </a:spcAft>
+              <a:defRPr>
+                <a:solidFill>
+                  <a:schemeClr val="tx1"/>
+                </a:solidFill>
+                <a:latin typeface="Arial" panose="020B0604020202020204" pitchFamily="34" charset="0"/>
+              </a:defRPr>
+            </a:lvl1pPr>
+            <a:lvl2pPr eaLnBrk="0" fontAlgn="base" hangingPunct="0">
+              <a:spcBef>
+                <a:spcPct val="0"/>
+              </a:spcBef>
+              <a:spcAft>
+                <a:spcPct val="0"/>
+              </a:spcAft>
+              <a:defRPr>
+                <a:solidFill>
+                  <a:schemeClr val="tx1"/>
+                </a:solidFill>
+                <a:latin typeface="Arial" panose="020B0604020202020204" pitchFamily="34" charset="0"/>
+              </a:defRPr>
+            </a:lvl2pPr>
+            <a:lvl3pPr eaLnBrk="0" fontAlgn="base" hangingPunct="0">
+              <a:spcBef>
+                <a:spcPct val="0"/>
+              </a:spcBef>
+              <a:spcAft>
+                <a:spcPct val="0"/>
+              </a:spcAft>
+              <a:defRPr>
+                <a:solidFill>
+                  <a:schemeClr val="tx1"/>
+                </a:solidFill>
+                <a:latin typeface="Arial" panose="020B0604020202020204" pitchFamily="34" charset="0"/>
+              </a:defRPr>
+            </a:lvl3pPr>
+            <a:lvl4pPr eaLnBrk="0" fontAlgn="base" hangingPunct="0">
+              <a:spcBef>
+                <a:spcPct val="0"/>
+              </a:spcBef>
+              <a:spcAft>
+                <a:spcPct val="0"/>
+              </a:spcAft>
+              <a:defRPr>
+                <a:solidFill>
+                  <a:schemeClr val="tx1"/>
+                </a:solidFill>
+                <a:latin typeface="Arial" panose="020B0604020202020204" pitchFamily="34" charset="0"/>
+              </a:defRPr>
+            </a:lvl4pPr>
+            <a:lvl5pPr eaLnBrk="0" fontAlgn="base" hangingPunct="0">
+              <a:spcBef>
+                <a:spcPct val="0"/>
+              </a:spcBef>
+              <a:spcAft>
+                <a:spcPct val="0"/>
+              </a:spcAft>
+              <a:defRPr>
+                <a:solidFill>
+                  <a:schemeClr val="tx1"/>
+                </a:solidFill>
+                <a:latin typeface="Arial" panose="020B0604020202020204" pitchFamily="34" charset="0"/>
+              </a:defRPr>
+            </a:lvl5pPr>
+            <a:lvl6pPr eaLnBrk="0" fontAlgn="base" hangingPunct="0">
+              <a:spcBef>
+                <a:spcPct val="0"/>
+              </a:spcBef>
+              <a:spcAft>
+                <a:spcPct val="0"/>
+              </a:spcAft>
+              <a:defRPr>
+                <a:solidFill>
+                  <a:schemeClr val="tx1"/>
+                </a:solidFill>
+                <a:latin typeface="Arial" panose="020B0604020202020204" pitchFamily="34" charset="0"/>
+              </a:defRPr>
+            </a:lvl6pPr>
+            <a:lvl7pPr eaLnBrk="0" fontAlgn="base" hangingPunct="0">
+              <a:spcBef>
+                <a:spcPct val="0"/>
+              </a:spcBef>
+              <a:spcAft>
+                <a:spcPct val="0"/>
+              </a:spcAft>
+              <a:defRPr>
+                <a:solidFill>
+                  <a:schemeClr val="tx1"/>
+                </a:solidFill>
+                <a:latin typeface="Arial" panose="020B0604020202020204" pitchFamily="34" charset="0"/>
+              </a:defRPr>
+            </a:lvl7pPr>
+            <a:lvl8pPr eaLnBrk="0" fontAlgn="base" hangingPunct="0">
+              <a:spcBef>
+                <a:spcPct val="0"/>
+              </a:spcBef>
+              <a:spcAft>
+                <a:spcPct val="0"/>
+              </a:spcAft>
+              <a:defRPr>
+                <a:solidFill>
+                  <a:schemeClr val="tx1"/>
+                </a:solidFill>
+                <a:latin typeface="Arial" panose="020B0604020202020204" pitchFamily="34" charset="0"/>
+              </a:defRPr>
+            </a:lvl8pPr>
+            <a:lvl9pPr eaLnBrk="0" fontAlgn="base" hangingPunct="0">
+              <a:spcBef>
+                <a:spcPct val="0"/>
+              </a:spcBef>
+              <a:spcAft>
+                <a:spcPct val="0"/>
+              </a:spcAft>
+              <a:defRPr>
+                <a:solidFill>
+                  <a:schemeClr val="tx1"/>
+                </a:solidFill>
+                <a:latin typeface="Arial" panose="020B0604020202020204" pitchFamily="34" charset="0"/>
+              </a:defRPr>
+            </a:lvl9pPr>
+          </a:lstStyle>
+          <a:p>
+            <a:pPr marL="0" marR="0" lvl="0" indent="0" algn="ctr" defTabSz="914400" rtl="0" eaLnBrk="0" fontAlgn="base" latinLnBrk="0" hangingPunct="0">
+              <a:lnSpc>
+                <a:spcPct val="100000"/>
+              </a:lnSpc>
+              <a:spcBef>
+                <a:spcPct val="0"/>
+              </a:spcBef>
+              <a:spcAft>
+                <a:spcPct val="0"/>
+              </a:spcAft>
+              <a:buClrTx/>
+              <a:buSzTx/>
+              <a:buFontTx/>
+              <a:buNone/>
+              <a:tabLst/>
+            </a:pPr>
+            <a:r>
+              <a:rPr kumimoji="0" lang="en-US" altLang="en-US" sz="2000" b="0" i="0" u="none" strike="noStrike" cap="none" normalizeH="0" baseline="0" dirty="0">
+                <a:ln>
+                  <a:noFill/>
+                </a:ln>
+                <a:solidFill>
+                  <a:srgbClr val="4374B7"/>
+                </a:solidFill>
+                <a:effectLst/>
+                <a:latin typeface="Helvetica Neue"/>
+              </a:rPr>
+              <a:t>                         </a:t>
+            </a:r>
+            <a:br>
+              <a:rPr kumimoji="0" lang="en-US" altLang="en-US" sz="1600" b="0" i="0" u="none" strike="noStrike" cap="none" normalizeH="0" baseline="0" dirty="0">
+                <a:ln>
+                  <a:noFill/>
+                </a:ln>
+                <a:solidFill>
+                  <a:schemeClr val="tx1"/>
+                </a:solidFill>
+                <a:effectLst/>
+              </a:rPr>
+            </a:br>
+            <a:r>
+              <a:rPr kumimoji="0" lang="en-US" altLang="en-US" sz="2000" b="0" i="0" u="none" strike="noStrike" cap="none" normalizeH="0" baseline="0" dirty="0">
+                <a:ln>
+                  <a:noFill/>
+                </a:ln>
+                <a:solidFill>
+                  <a:srgbClr val="000000"/>
+                </a:solidFill>
+                <a:effectLst/>
+                <a:latin typeface="Helvetica Neue"/>
+              </a:rPr>
+              <a:t>This work is licensed under a </a:t>
+            </a:r>
+            <a:r>
+              <a:rPr kumimoji="0" lang="en-US" altLang="en-US" sz="2000" b="0" i="0" u="none" strike="noStrike" cap="none" normalizeH="0" baseline="0" dirty="0">
+                <a:ln>
+                  <a:noFill/>
+                </a:ln>
+                <a:solidFill>
+                  <a:srgbClr val="4374B7"/>
+                </a:solidFill>
+                <a:effectLst/>
+                <a:latin typeface="Helvetica Neue"/>
+                <a:hlinkClick r:id="rId3"/>
+              </a:rPr>
+              <a:t>Creative Commons Attribution-</a:t>
+            </a:r>
+            <a:r>
+              <a:rPr kumimoji="0" lang="en-US" altLang="en-US" sz="2000" b="0" i="0" u="none" strike="noStrike" cap="none" normalizeH="0" baseline="0" dirty="0" err="1">
+                <a:ln>
+                  <a:noFill/>
+                </a:ln>
+                <a:solidFill>
+                  <a:srgbClr val="4374B7"/>
+                </a:solidFill>
+                <a:effectLst/>
+                <a:latin typeface="Helvetica Neue"/>
+                <a:hlinkClick r:id="rId3"/>
+              </a:rPr>
+              <a:t>NonCommercial</a:t>
+            </a:r>
+            <a:r>
+              <a:rPr kumimoji="0" lang="en-US" altLang="en-US" sz="2000" b="0" i="0" u="none" strike="noStrike" cap="none" normalizeH="0" baseline="0" dirty="0">
+                <a:ln>
+                  <a:noFill/>
+                </a:ln>
+                <a:solidFill>
+                  <a:srgbClr val="4374B7"/>
+                </a:solidFill>
+                <a:effectLst/>
+                <a:latin typeface="Helvetica Neue"/>
+                <a:hlinkClick r:id="rId3"/>
+              </a:rPr>
+              <a:t>-</a:t>
+            </a:r>
+            <a:r>
+              <a:rPr kumimoji="0" lang="en-US" altLang="en-US" sz="2000" b="0" i="0" u="none" strike="noStrike" cap="none" normalizeH="0" baseline="0" dirty="0" err="1">
+                <a:ln>
+                  <a:noFill/>
+                </a:ln>
+                <a:solidFill>
+                  <a:srgbClr val="4374B7"/>
+                </a:solidFill>
+                <a:effectLst/>
+                <a:latin typeface="Helvetica Neue"/>
+                <a:hlinkClick r:id="rId3"/>
+              </a:rPr>
+              <a:t>ShareAlike</a:t>
+            </a:r>
+            <a:r>
+              <a:rPr kumimoji="0" lang="en-US" altLang="en-US" sz="2000" b="0" i="0" u="none" strike="noStrike" cap="none" normalizeH="0" baseline="0" dirty="0">
+                <a:ln>
+                  <a:noFill/>
+                </a:ln>
+                <a:solidFill>
+                  <a:srgbClr val="4374B7"/>
+                </a:solidFill>
+                <a:effectLst/>
+                <a:latin typeface="Helvetica Neue"/>
+                <a:hlinkClick r:id="rId3"/>
+              </a:rPr>
+              <a:t> 4.0 International License</a:t>
+            </a:r>
+            <a:r>
+              <a:rPr kumimoji="0" lang="en-US" altLang="en-US" sz="2000" b="0" i="0" u="none" strike="noStrike" cap="none" normalizeH="0" baseline="0" dirty="0">
+                <a:ln>
+                  <a:noFill/>
+                </a:ln>
+                <a:solidFill>
+                  <a:srgbClr val="000000"/>
+                </a:solidFill>
+                <a:effectLst/>
+                <a:latin typeface="Helvetica Neue"/>
+              </a:rPr>
+              <a:t>.</a:t>
+            </a:r>
+            <a:r>
+              <a:rPr kumimoji="0" lang="en-US" altLang="en-US" sz="1600" b="0" i="0" u="none" strike="noStrike" cap="none" normalizeH="0" baseline="0" dirty="0">
+                <a:ln>
+                  <a:noFill/>
+                </a:ln>
+                <a:solidFill>
+                  <a:schemeClr val="tx1"/>
+                </a:solidFill>
+                <a:effectLst/>
+              </a:rPr>
+              <a:t> </a:t>
+            </a:r>
+            <a:endParaRPr kumimoji="0" lang="en-US" altLang="en-US" sz="2000" b="0" i="0" u="none" strike="noStrike" cap="none" normalizeH="0" baseline="0" dirty="0">
+              <a:ln>
+                <a:noFill/>
+              </a:ln>
+              <a:solidFill>
+                <a:srgbClr val="4374B7"/>
+              </a:solidFill>
+              <a:effectLst/>
+              <a:latin typeface="Helvetica Neue"/>
+            </a:endParaRPr>
+          </a:p>
+        </p:txBody>
+      </p:sp>
+      <p:pic>
+        <p:nvPicPr>
+          <p:cNvPr id="6" name="Picture 2" descr="Creative Commons License">
+            <a:hlinkClick r:id="rId3"/>
+          </p:cNvPr>
+          <p:cNvPicPr>
+            <a:picLocks noChangeAspect="1" noChangeArrowheads="1"/>
+          </p:cNvPicPr>
+          <p:nvPr/>
+        </p:nvPicPr>
+        <p:blipFill>
+          <a:blip r:embed="rId4">
+            <a:extLst>
+              <a:ext uri="{28A0092B-C50C-407E-A947-70E740481C1C}">
+                <a14:useLocalDpi xmlns:a14="http://schemas.microsoft.com/office/drawing/2010/main" val="0"/>
+              </a:ext>
+            </a:extLst>
+          </a:blip>
+          <a:srcRect/>
+          <a:stretch>
+            <a:fillRect/>
+          </a:stretch>
+        </p:blipFill>
+        <p:spPr bwMode="auto">
+          <a:xfrm>
+            <a:off x="3812487" y="4160675"/>
+            <a:ext cx="2161449" cy="761422"/>
+          </a:xfrm>
+          <a:prstGeom prst="rect">
+            <a:avLst/>
+          </a:prstGeom>
+          <a:noFill/>
+          <a:extLst>
+            <a:ext uri="{909E8E84-426E-40dd-AFC4-6F175D3DCCD1}">
+              <a14:hiddenFill xmlns="" xmlns:a14="http://schemas.microsoft.com/office/drawing/2010/main">
+                <a:solidFill>
+                  <a:srgbClr val="FFFFFF"/>
+                </a:solidFill>
+              </a14:hiddenFill>
+            </a:ext>
+          </a:extLst>
+        </p:spPr>
+      </p:pic>
+    </p:spTree>
+    <p:extLst>
+      <p:ext uri="{BB962C8B-B14F-4D97-AF65-F5344CB8AC3E}">
+        <p14:creationId xmlns:p14="http://schemas.microsoft.com/office/powerpoint/2010/main" val="4261110021"/>
       </p:ext>
     </p:extLst>
   </p:cSld>
@@ -5169,28 +5567,28 @@
           <a:lstStyle/>
           <a:p>
             <a:r>
-              <a:rPr lang="en-US" dirty="0" smtClean="0"/>
+              <a:rPr lang="en-US" dirty="0"/>
               <a:t>Learn to use variables</a:t>
             </a:r>
           </a:p>
           <a:p>
             <a:r>
-              <a:rPr lang="en-US" dirty="0" smtClean="0"/>
+              <a:rPr lang="en-US" dirty="0"/>
               <a:t>Learn to create a menu system that is not limited to a particular number of choices</a:t>
             </a:r>
           </a:p>
           <a:p>
             <a:r>
-              <a:rPr lang="en-US" dirty="0" smtClean="0"/>
+              <a:rPr lang="en-US" dirty="0"/>
               <a:t>Learn to create a menu system that updates the menu view</a:t>
             </a:r>
           </a:p>
           <a:p>
-            <a:endParaRPr lang="en-US" dirty="0" smtClean="0"/>
-          </a:p>
-          <a:p>
-            <a:r>
-              <a:rPr lang="en-US" dirty="0" smtClean="0"/>
+            <a:endParaRPr lang="en-US" dirty="0"/>
+          </a:p>
+          <a:p>
+            <a:r>
+              <a:rPr lang="en-US" dirty="0"/>
               <a:t>Prerequisites: Variables, Math Blocks, Brick Buttons</a:t>
             </a:r>
           </a:p>
@@ -5212,8 +5610,8 @@
           <a:lstStyle/>
           <a:p>
             <a:r>
-              <a:rPr lang="sk-SK" smtClean="0"/>
-              <a:t>© 2015 EV3Lessons.com, Last edit 02/10/2017</a:t>
+              <a:rPr lang="sk-SK"/>
+              <a:t>© 2020 EV3Lessons.com, Last edit 12/29/2019</a:t>
             </a:r>
             <a:endParaRPr lang="en-US"/>
           </a:p>
@@ -5221,12 +5619,12 @@
       </p:sp>
       <p:sp>
         <p:nvSpPr>
-          <p:cNvPr id="5" name="Slide Number Placeholder 4"/>
-          <p:cNvSpPr>
-            <a:spLocks noGrp="1"/>
-          </p:cNvSpPr>
-          <p:nvPr>
-            <p:ph type="sldNum" sz="quarter" idx="12"/>
+          <p:cNvPr id="2" name="Title 1"/>
+          <p:cNvSpPr>
+            <a:spLocks noGrp="1"/>
+          </p:cNvSpPr>
+          <p:nvPr>
+            <p:ph type="title"/>
           </p:nvPr>
         </p:nvSpPr>
         <p:spPr/>
@@ -5234,32 +5632,8 @@
           <a:bodyPr/>
           <a:lstStyle/>
           <a:p>
-            <a:fld id="{4382A7F7-08BF-4252-8141-63FB96055BBB}" type="slidenum">
-              <a:rPr lang="en-US" smtClean="0"/>
-              <a:pPr/>
-              <a:t>2</a:t>
-            </a:fld>
-            <a:endParaRPr lang="en-US"/>
-          </a:p>
-        </p:txBody>
-      </p:sp>
-      <p:sp>
-        <p:nvSpPr>
-          <p:cNvPr id="2" name="Title 1"/>
-          <p:cNvSpPr>
-            <a:spLocks noGrp="1"/>
-          </p:cNvSpPr>
-          <p:nvPr>
-            <p:ph type="title"/>
-          </p:nvPr>
-        </p:nvSpPr>
-        <p:spPr/>
-        <p:txBody>
-          <a:bodyPr/>
-          <a:lstStyle/>
-          <a:p>
-            <a:r>
-              <a:rPr lang="en-US" smtClean="0"/>
+            <a:r>
+              <a:rPr lang="en-US"/>
               <a:t>Lesson Objectives</a:t>
             </a:r>
             <a:endParaRPr lang="en-US" dirty="0"/>
@@ -5276,13 +5650,6 @@
   <p:clrMapOvr>
     <a:masterClrMapping/>
   </p:clrMapOvr>
-  <p:timing>
-    <p:tnLst>
-      <p:par>
-        <p:cTn id="1" dur="indefinite" restart="never" nodeType="tmRoot"/>
-      </p:par>
-    </p:tnLst>
-  </p:timing>
 </p:sld>
 </file>
 
@@ -5324,19 +5691,19 @@
           <a:lstStyle/>
           <a:p>
             <a:r>
-              <a:rPr lang="en-US" dirty="0" smtClean="0"/>
+              <a:rPr lang="en-US" dirty="0"/>
               <a:t>In the “Using Brick Buttons as Sensors” Lesson in Intermediate, one of the challenges asked you to create a menu with 4 choices and a single screen display for the entire menu</a:t>
             </a:r>
           </a:p>
           <a:p>
             <a:r>
-              <a:rPr lang="en-US" dirty="0" smtClean="0"/>
+              <a:rPr lang="en-US" dirty="0"/>
               <a:t>In this version, we build a menu system that updates the menu view each time you change your selection and lets you have a larger number of menu choices</a:t>
             </a:r>
           </a:p>
           <a:p>
             <a:r>
-              <a:rPr lang="en-US" dirty="0" smtClean="0"/>
+              <a:rPr lang="en-US" dirty="0"/>
               <a:t>To make this menu, you will need to learn how to use variables</a:t>
             </a:r>
           </a:p>
@@ -5358,8 +5725,8 @@
           <a:lstStyle/>
           <a:p>
             <a:r>
-              <a:rPr lang="sk-SK" smtClean="0"/>
-              <a:t>© 2015 EV3Lessons.com, Last edit 02/10/2017</a:t>
+              <a:rPr lang="sk-SK"/>
+              <a:t>© 2020 EV3Lessons.com, Last edit 12/29/2019</a:t>
             </a:r>
             <a:endParaRPr lang="en-US"/>
           </a:p>
@@ -5367,12 +5734,12 @@
       </p:sp>
       <p:sp>
         <p:nvSpPr>
-          <p:cNvPr id="5" name="Slide Number Placeholder 4"/>
-          <p:cNvSpPr>
-            <a:spLocks noGrp="1"/>
-          </p:cNvSpPr>
-          <p:nvPr>
-            <p:ph type="sldNum" sz="quarter" idx="12"/>
+          <p:cNvPr id="2" name="Title 1"/>
+          <p:cNvSpPr>
+            <a:spLocks noGrp="1"/>
+          </p:cNvSpPr>
+          <p:nvPr>
+            <p:ph type="title"/>
           </p:nvPr>
         </p:nvSpPr>
         <p:spPr/>
@@ -5380,32 +5747,8 @@
           <a:bodyPr/>
           <a:lstStyle/>
           <a:p>
-            <a:fld id="{4382A7F7-08BF-4252-8141-63FB96055BBB}" type="slidenum">
-              <a:rPr lang="en-US" smtClean="0"/>
-              <a:pPr/>
-              <a:t>3</a:t>
-            </a:fld>
-            <a:endParaRPr lang="en-US"/>
-          </a:p>
-        </p:txBody>
-      </p:sp>
-      <p:sp>
-        <p:nvSpPr>
-          <p:cNvPr id="2" name="Title 1"/>
-          <p:cNvSpPr>
-            <a:spLocks noGrp="1"/>
-          </p:cNvSpPr>
-          <p:nvPr>
-            <p:ph type="title"/>
-          </p:nvPr>
-        </p:nvSpPr>
-        <p:spPr/>
-        <p:txBody>
-          <a:bodyPr/>
-          <a:lstStyle/>
-          <a:p>
-            <a:r>
-              <a:rPr lang="en-US" smtClean="0"/>
+            <a:r>
+              <a:rPr lang="en-US"/>
               <a:t>A Fancier Menu System</a:t>
             </a:r>
             <a:endParaRPr lang="en-US" dirty="0"/>
@@ -5592,13 +5935,6 @@
   <p:clrMapOvr>
     <a:masterClrMapping/>
   </p:clrMapOvr>
-  <p:timing>
-    <p:tnLst>
-      <p:par>
-        <p:cTn id="1" dur="indefinite" restart="never" nodeType="tmRoot"/>
-      </p:par>
-    </p:tnLst>
-  </p:timing>
 </p:sld>
 </file>
 
@@ -5621,7 +5957,7 @@
       </p:grpSpPr>
       <p:sp>
         <p:nvSpPr>
-          <p:cNvPr id="25" name="Content Placeholder 2"/>
+          <p:cNvPr id="3" name="Content Placeholder 2"/>
           <p:cNvSpPr>
             <a:spLocks noGrp="1"/>
           </p:cNvSpPr>
@@ -5631,23 +5967,82 @@
         </p:nvSpPr>
         <p:spPr>
           <a:xfrm>
-            <a:off x="3823965" y="3803028"/>
-            <a:ext cx="5104571" cy="828448"/>
+            <a:off x="284163" y="1449659"/>
+            <a:ext cx="6216998" cy="4987373"/>
           </a:xfrm>
         </p:spPr>
         <p:txBody>
           <a:bodyPr>
-            <a:noAutofit/>
+            <a:normAutofit fontScale="25000" lnSpcReduction="20000"/>
           </a:bodyPr>
           <a:lstStyle/>
           <a:p>
-            <a:pPr marL="0" indent="0">
-              <a:buNone/>
-            </a:pPr>
-            <a:r>
-              <a:rPr lang="en-US" sz="1800" dirty="0" smtClean="0"/>
-              <a:t>C. You must create a variable and give it a name before using it.</a:t>
-            </a:r>
+            <a:r>
+              <a:rPr lang="en-US" sz="9600" b="1" dirty="0">
+                <a:solidFill>
+                  <a:srgbClr val="FF0000"/>
+                </a:solidFill>
+              </a:rPr>
+              <a:t>Challenge: </a:t>
+            </a:r>
+            <a:r>
+              <a:rPr lang="en-US" sz="9600" dirty="0"/>
+              <a:t>Make a menu system that lets you perform 3 actions (display and say the numbers 1, 2, and 3) based on the button pressed</a:t>
+            </a:r>
+            <a:endParaRPr lang="en-US" sz="4900" dirty="0"/>
+          </a:p>
+          <a:p>
+            <a:r>
+              <a:rPr lang="en-US" sz="7200" b="1" dirty="0"/>
+              <a:t>Step 1: </a:t>
+            </a:r>
+            <a:r>
+              <a:rPr lang="en-US" sz="7200" dirty="0"/>
+              <a:t>Use a variable to store the current menu choice</a:t>
+            </a:r>
+          </a:p>
+          <a:p>
+            <a:r>
+              <a:rPr lang="en-US" sz="7200" b="1" dirty="0"/>
+              <a:t>Step 2: </a:t>
+            </a:r>
+            <a:r>
+              <a:rPr lang="en-US" sz="7200" dirty="0"/>
+              <a:t>Display the menu description for the current menu choice</a:t>
+            </a:r>
+          </a:p>
+          <a:p>
+            <a:r>
+              <a:rPr lang="en-US" sz="7200" b="1" dirty="0"/>
+              <a:t>Step 3: </a:t>
+            </a:r>
+            <a:r>
+              <a:rPr lang="en-US" sz="7200" dirty="0"/>
+              <a:t>Wait for the user to press a button (top, middle, down buttons)</a:t>
+            </a:r>
+          </a:p>
+          <a:p>
+            <a:r>
+              <a:rPr lang="en-US" sz="7200" b="1" dirty="0"/>
+              <a:t>Step 4: </a:t>
+            </a:r>
+            <a:r>
+              <a:rPr lang="en-US" sz="7200" dirty="0"/>
+              <a:t>Based on the button press: run the code for the menu choice (for middle button), or increase/decrease the menu choice variable (for up/down buttons)</a:t>
+            </a:r>
+          </a:p>
+          <a:p>
+            <a:r>
+              <a:rPr lang="en-US" sz="7200" b="1" dirty="0"/>
+              <a:t>Step 5: </a:t>
+            </a:r>
+            <a:r>
+              <a:rPr lang="en-US" sz="7200" dirty="0"/>
+              <a:t>Go back to 2…</a:t>
+            </a:r>
+          </a:p>
+          <a:p>
+            <a:endParaRPr lang="en-US" dirty="0"/>
           </a:p>
         </p:txBody>
       </p:sp>
@@ -5667,8 +6062,8 @@
           <a:lstStyle/>
           <a:p>
             <a:r>
-              <a:rPr lang="sk-SK" smtClean="0"/>
-              <a:t>© 2015 EV3Lessons.com, Last edit 02/10/2017</a:t>
+              <a:rPr lang="sk-SK"/>
+              <a:t>© 2020 EV3Lessons.com, Last edit 12/29/2019</a:t>
             </a:r>
             <a:endParaRPr lang="en-US" dirty="0"/>
           </a:p>
@@ -5676,12 +6071,12 @@
       </p:sp>
       <p:sp>
         <p:nvSpPr>
-          <p:cNvPr id="5" name="Slide Number Placeholder 4"/>
-          <p:cNvSpPr>
-            <a:spLocks noGrp="1"/>
-          </p:cNvSpPr>
-          <p:nvPr>
-            <p:ph type="sldNum" sz="quarter" idx="12"/>
+          <p:cNvPr id="2" name="Title 1"/>
+          <p:cNvSpPr>
+            <a:spLocks noGrp="1"/>
+          </p:cNvSpPr>
+          <p:nvPr>
+            <p:ph type="title"/>
           </p:nvPr>
         </p:nvSpPr>
         <p:spPr/>
@@ -5689,63 +6084,9 @@
           <a:bodyPr/>
           <a:lstStyle/>
           <a:p>
-            <a:fld id="{4382A7F7-08BF-4252-8141-63FB96055BBB}" type="slidenum">
-              <a:rPr lang="en-US" smtClean="0"/>
-              <a:pPr/>
-              <a:t>4</a:t>
-            </a:fld>
-            <a:endParaRPr lang="en-US"/>
-          </a:p>
-        </p:txBody>
-      </p:sp>
-      <p:sp>
-        <p:nvSpPr>
-          <p:cNvPr id="2" name="Title 1"/>
-          <p:cNvSpPr>
-            <a:spLocks noGrp="1"/>
-          </p:cNvSpPr>
-          <p:nvPr>
-            <p:ph type="title"/>
-          </p:nvPr>
-        </p:nvSpPr>
-        <p:spPr/>
-        <p:txBody>
-          <a:bodyPr/>
-          <a:lstStyle/>
-          <a:p>
-            <a:r>
-              <a:rPr lang="en-US" dirty="0" smtClean="0"/>
-              <a:t>Review: Variables Lessons</a:t>
-            </a:r>
-            <a:endParaRPr lang="en-US" dirty="0"/>
-          </a:p>
-        </p:txBody>
-      </p:sp>
-      <p:sp>
-        <p:nvSpPr>
-          <p:cNvPr id="12" name="TextBox 11"/>
-          <p:cNvSpPr txBox="1"/>
-          <p:nvPr/>
-        </p:nvSpPr>
-        <p:spPr>
-          <a:xfrm>
-            <a:off x="3823965" y="1624547"/>
-            <a:ext cx="5104571" cy="369332"/>
-          </a:xfrm>
-          <a:prstGeom prst="rect">
-            <a:avLst/>
-          </a:prstGeom>
-          <a:noFill/>
-        </p:spPr>
-        <p:txBody>
-          <a:bodyPr wrap="square" rtlCol="0">
-            <a:spAutoFit/>
-          </a:bodyPr>
-          <a:lstStyle/>
-          <a:p>
-            <a:r>
-              <a:rPr lang="en-US" dirty="0" smtClean="0"/>
-              <a:t>A. Variables can store values for later use</a:t>
+            <a:r>
+              <a:rPr lang="en-US"/>
+              <a:t>Menu Challenge</a:t>
             </a:r>
             <a:endParaRPr lang="en-US" dirty="0"/>
           </a:p>
@@ -5759,26 +6100,22 @@
           </p:cNvPicPr>
           <p:nvPr/>
         </p:nvPicPr>
-        <p:blipFill rotWithShape="1">
+        <p:blipFill>
           <a:blip r:embed="rId2">
-            <a:clrChange>
-              <a:clrFrom>
-                <a:srgbClr val="FFFFFF"/>
-              </a:clrFrom>
-              <a:clrTo>
-                <a:srgbClr val="FFFFFF">
-                  <a:alpha val="0"/>
-                </a:srgbClr>
-              </a:clrTo>
-            </a:clrChange>
+            <a:extLst>
+              <a:ext uri="{28A0092B-C50C-407E-A947-70E740481C1C}">
+                <a14:useLocalDpi xmlns:a14="http://schemas.microsoft.com/office/drawing/2010/main" val="0"/>
+              </a:ext>
+            </a:extLst>
           </a:blip>
-          <a:srcRect l="29778"/>
-          <a:stretch/>
+          <a:stretch>
+            <a:fillRect/>
+          </a:stretch>
         </p:blipFill>
         <p:spPr>
           <a:xfrm>
-            <a:off x="1369358" y="3444301"/>
-            <a:ext cx="2103061" cy="1400091"/>
+            <a:off x="6872758" y="3648082"/>
+            <a:ext cx="1737396" cy="1273336"/>
           </a:xfrm>
           <a:prstGeom prst="rect">
             <a:avLst/>
@@ -5793,42 +6130,68 @@
           </p:cNvPicPr>
           <p:nvPr/>
         </p:nvPicPr>
-        <p:blipFill rotWithShape="1">
+        <p:blipFill>
           <a:blip r:embed="rId3">
-            <a:clrChange>
-              <a:clrFrom>
-                <a:srgbClr val="FFFFFF"/>
-              </a:clrFrom>
-              <a:clrTo>
-                <a:srgbClr val="FFFFFF">
-                  <a:alpha val="0"/>
-                </a:srgbClr>
-              </a:clrTo>
-            </a:clrChange>
+            <a:extLst>
+              <a:ext uri="{28A0092B-C50C-407E-A947-70E740481C1C}">
+                <a14:useLocalDpi xmlns:a14="http://schemas.microsoft.com/office/drawing/2010/main" val="0"/>
+              </a:ext>
+            </a:extLst>
           </a:blip>
-          <a:srcRect l="24196"/>
-          <a:stretch/>
+          <a:stretch>
+            <a:fillRect/>
+          </a:stretch>
         </p:blipFill>
         <p:spPr>
           <a:xfrm>
-            <a:off x="1369358" y="1471144"/>
-            <a:ext cx="1975106" cy="2182441"/>
+            <a:off x="6857519" y="2095990"/>
+            <a:ext cx="1722155" cy="1236564"/>
           </a:xfrm>
           <a:prstGeom prst="rect">
             <a:avLst/>
           </a:prstGeom>
         </p:spPr>
       </p:pic>
-      <p:sp>
-        <p:nvSpPr>
-          <p:cNvPr id="19" name="TextBox 18"/>
+      <p:pic>
+        <p:nvPicPr>
+          <p:cNvPr id="12" name="Picture 11"/>
+          <p:cNvPicPr>
+            <a:picLocks noChangeAspect="1"/>
+          </p:cNvPicPr>
+          <p:nvPr/>
+        </p:nvPicPr>
+        <p:blipFill>
+          <a:blip r:embed="rId4">
+            <a:extLst>
+              <a:ext uri="{28A0092B-C50C-407E-A947-70E740481C1C}">
+                <a14:useLocalDpi xmlns:a14="http://schemas.microsoft.com/office/drawing/2010/main" val="0"/>
+              </a:ext>
+            </a:extLst>
+          </a:blip>
+          <a:stretch>
+            <a:fillRect/>
+          </a:stretch>
+        </p:blipFill>
+        <p:spPr>
+          <a:xfrm>
+            <a:off x="6872758" y="5141330"/>
+            <a:ext cx="1706916" cy="1256245"/>
+          </a:xfrm>
+          <a:prstGeom prst="rect">
+            <a:avLst/>
+          </a:prstGeom>
+        </p:spPr>
+      </p:pic>
+      <p:sp>
+        <p:nvSpPr>
+          <p:cNvPr id="13" name="TextBox 12"/>
           <p:cNvSpPr txBox="1"/>
           <p:nvPr/>
         </p:nvSpPr>
         <p:spPr>
           <a:xfrm>
-            <a:off x="3823965" y="2416896"/>
-            <a:ext cx="5104571" cy="646331"/>
+            <a:off x="6585626" y="1449659"/>
+            <a:ext cx="2236398" cy="646331"/>
           </a:xfrm>
           <a:prstGeom prst="rect">
             <a:avLst/>
@@ -5841,48 +6204,125 @@
           </a:bodyPr>
           <a:lstStyle/>
           <a:p>
-            <a:r>
-              <a:rPr lang="en-US" dirty="0" smtClean="0"/>
-              <a:t>B. There are different types of variables. You must chose the type of variable before creating one.</a:t>
+            <a:pPr algn="ctr"/>
+            <a:r>
+              <a:rPr lang="en-US" dirty="0">
+                <a:solidFill>
+                  <a:srgbClr val="FF0000"/>
+                </a:solidFill>
+              </a:rPr>
+              <a:t>What you will see on the EV3 Brick</a:t>
+            </a:r>
+          </a:p>
+        </p:txBody>
+      </p:sp>
+    </p:spTree>
+    <p:extLst>
+      <p:ext uri="{BB962C8B-B14F-4D97-AF65-F5344CB8AC3E}">
+        <p14:creationId xmlns:p14="http://schemas.microsoft.com/office/powerpoint/2010/main" val="528288592"/>
+      </p:ext>
+    </p:extLst>
+  </p:cSld>
+  <p:clrMapOvr>
+    <a:masterClrMapping/>
+  </p:clrMapOvr>
+</p:sld>
+</file>
+
+<file path=ppt/slides/slide5.xml><?xml version="1.0" encoding="utf-8"?>
+<p:sld xmlns:a="http://schemas.openxmlformats.org/drawingml/2006/main" xmlns:r="http://schemas.openxmlformats.org/officeDocument/2006/relationships" xmlns:p="http://schemas.openxmlformats.org/presentationml/2006/main">
+  <p:cSld>
+    <p:spTree>
+      <p:nvGrpSpPr>
+        <p:cNvPr id="1" name=""/>
+        <p:cNvGrpSpPr/>
+        <p:nvPr/>
+      </p:nvGrpSpPr>
+      <p:grpSpPr>
+        <a:xfrm>
+          <a:off x="0" y="0"/>
+          <a:ext cx="0" cy="0"/>
+          <a:chOff x="0" y="0"/>
+          <a:chExt cx="0" cy="0"/>
+        </a:xfrm>
+      </p:grpSpPr>
+      <p:sp>
+        <p:nvSpPr>
+          <p:cNvPr id="4" name="Footer Placeholder 3"/>
+          <p:cNvSpPr>
+            <a:spLocks noGrp="1"/>
+          </p:cNvSpPr>
+          <p:nvPr>
+            <p:ph type="ftr" sz="quarter" idx="11"/>
+          </p:nvPr>
+        </p:nvSpPr>
+        <p:spPr/>
+        <p:txBody>
+          <a:bodyPr/>
+          <a:lstStyle/>
+          <a:p>
+            <a:r>
+              <a:rPr lang="sk-SK"/>
+              <a:t>© 2020 EV3Lessons.com, Last edit 12/29/2019</a:t>
             </a:r>
             <a:endParaRPr lang="en-US" dirty="0"/>
           </a:p>
         </p:txBody>
       </p:sp>
-      <p:pic>
-        <p:nvPicPr>
-          <p:cNvPr id="32" name="Picture 31"/>
-          <p:cNvPicPr>
-            <a:picLocks noChangeAspect="1"/>
-          </p:cNvPicPr>
+      <p:sp>
+        <p:nvSpPr>
+          <p:cNvPr id="2" name="Title 1"/>
+          <p:cNvSpPr>
+            <a:spLocks noGrp="1"/>
+          </p:cNvSpPr>
+          <p:nvPr>
+            <p:ph type="title"/>
+          </p:nvPr>
+        </p:nvSpPr>
+        <p:spPr/>
+        <p:txBody>
+          <a:bodyPr/>
+          <a:lstStyle/>
+          <a:p>
+            <a:r>
+              <a:rPr lang="en-US" dirty="0"/>
+              <a:t>Main Component</a:t>
+            </a:r>
+          </a:p>
+        </p:txBody>
+      </p:sp>
+      <p:sp>
+        <p:nvSpPr>
+          <p:cNvPr id="12" name="TextBox 11"/>
+          <p:cNvSpPr txBox="1"/>
           <p:nvPr/>
-        </p:nvPicPr>
-        <p:blipFill rotWithShape="1">
-          <a:blip r:embed="rId3">
-            <a:clrChange>
-              <a:clrFrom>
-                <a:srgbClr val="FFFFFF"/>
-              </a:clrFrom>
-              <a:clrTo>
-                <a:srgbClr val="FFFFFF">
-                  <a:alpha val="0"/>
-                </a:srgbClr>
-              </a:clrTo>
-            </a:clrChange>
-          </a:blip>
-          <a:srcRect l="23432" t="5473" r="44188" b="43617"/>
-          <a:stretch/>
-        </p:blipFill>
+        </p:nvSpPr>
         <p:spPr>
           <a:xfrm>
-            <a:off x="1345347" y="5047124"/>
-            <a:ext cx="1055386" cy="1389908"/>
+            <a:off x="3823965" y="1624547"/>
+            <a:ext cx="5104571" cy="923330"/>
           </a:xfrm>
           <a:prstGeom prst="rect">
             <a:avLst/>
           </a:prstGeom>
+          <a:noFill/>
         </p:spPr>
-      </p:pic>
+        <p:txBody>
+          <a:bodyPr wrap="square" rtlCol="0">
+            <a:spAutoFit/>
+          </a:bodyPr>
+          <a:lstStyle/>
+          <a:p>
+            <a:r>
+              <a:rPr lang="en-US" dirty="0"/>
+              <a:t>Variables can store values for later use. Make a variable and give it a name “Menu” before using it.</a:t>
+            </a:r>
+          </a:p>
+          <a:p>
+            <a:endParaRPr lang="en-US" dirty="0"/>
+          </a:p>
+        </p:txBody>
+      </p:sp>
       <p:sp>
         <p:nvSpPr>
           <p:cNvPr id="33" name="Content Placeholder 2"/>
@@ -5893,7 +6333,7 @@
         </p:nvSpPr>
         <p:spPr>
           <a:xfrm>
-            <a:off x="3823965" y="5007133"/>
+            <a:off x="3823965" y="4026189"/>
             <a:ext cx="5104571" cy="828448"/>
           </a:xfrm>
           <a:prstGeom prst="rect">
@@ -5902,7 +6342,7 @@
         </p:spPr>
         <p:txBody>
           <a:bodyPr vert="horz" lIns="0" tIns="45720" rIns="0" bIns="45720" rtlCol="0">
-            <a:normAutofit/>
+            <a:normAutofit lnSpcReduction="10000"/>
           </a:bodyPr>
           <a:lstStyle>
             <a:lvl1pPr marL="91440" indent="-91440" algn="l" defTabSz="914400" rtl="0" eaLnBrk="1" latinLnBrk="0" hangingPunct="1">
@@ -6156,262 +6596,21 @@
               <a:buNone/>
             </a:pPr>
             <a:r>
-              <a:rPr lang="en-US" sz="1800" dirty="0" smtClean="0"/>
-              <a:t>D. Once created, you can read and write values to the variable.</a:t>
-            </a:r>
-          </a:p>
-        </p:txBody>
-      </p:sp>
-      <p:sp>
-        <p:nvSpPr>
-          <p:cNvPr id="22" name="Rectangle 21"/>
-          <p:cNvSpPr/>
-          <p:nvPr/>
-        </p:nvSpPr>
-        <p:spPr>
-          <a:xfrm>
-            <a:off x="3728950" y="5875572"/>
-            <a:ext cx="3997954" cy="369332"/>
-          </a:xfrm>
-          <a:prstGeom prst="rect">
-            <a:avLst/>
-          </a:prstGeom>
-        </p:spPr>
-        <p:txBody>
-          <a:bodyPr wrap="none">
-            <a:spAutoFit/>
-          </a:bodyPr>
-          <a:lstStyle/>
-          <a:p>
-            <a:r>
-              <a:rPr lang="en-US" dirty="0">
-                <a:solidFill>
-                  <a:srgbClr val="FF0000"/>
-                </a:solidFill>
-              </a:rPr>
-              <a:t>In this lesson, </a:t>
-            </a:r>
-            <a:r>
-              <a:rPr lang="en-US">
-                <a:solidFill>
-                  <a:srgbClr val="FF0000"/>
-                </a:solidFill>
-              </a:rPr>
-              <a:t>we </a:t>
-            </a:r>
-            <a:r>
-              <a:rPr lang="en-US" smtClean="0">
-                <a:solidFill>
-                  <a:srgbClr val="FF0000"/>
-                </a:solidFill>
-              </a:rPr>
-              <a:t>use </a:t>
-            </a:r>
-            <a:r>
-              <a:rPr lang="en-US" dirty="0">
-                <a:solidFill>
-                  <a:srgbClr val="FF0000"/>
-                </a:solidFill>
-              </a:rPr>
-              <a:t>numeric variables. </a:t>
-            </a:r>
-          </a:p>
-        </p:txBody>
-      </p:sp>
-    </p:spTree>
-    <p:extLst>
-      <p:ext uri="{BB962C8B-B14F-4D97-AF65-F5344CB8AC3E}">
-        <p14:creationId xmlns:p14="http://schemas.microsoft.com/office/powerpoint/2010/main" val="3111724294"/>
-      </p:ext>
-    </p:extLst>
-  </p:cSld>
-  <p:clrMapOvr>
-    <a:masterClrMapping/>
-  </p:clrMapOvr>
-</p:sld>
-</file>
-
-<file path=ppt/slides/slide5.xml><?xml version="1.0" encoding="utf-8"?>
-<p:sld xmlns:a="http://schemas.openxmlformats.org/drawingml/2006/main" xmlns:r="http://schemas.openxmlformats.org/officeDocument/2006/relationships" xmlns:p="http://schemas.openxmlformats.org/presentationml/2006/main">
-  <p:cSld>
-    <p:spTree>
-      <p:nvGrpSpPr>
-        <p:cNvPr id="1" name=""/>
-        <p:cNvGrpSpPr/>
-        <p:nvPr/>
-      </p:nvGrpSpPr>
-      <p:grpSpPr>
-        <a:xfrm>
-          <a:off x="0" y="0"/>
-          <a:ext cx="0" cy="0"/>
-          <a:chOff x="0" y="0"/>
-          <a:chExt cx="0" cy="0"/>
-        </a:xfrm>
-      </p:grpSpPr>
-      <p:sp>
-        <p:nvSpPr>
-          <p:cNvPr id="3" name="Content Placeholder 2"/>
-          <p:cNvSpPr>
-            <a:spLocks noGrp="1"/>
-          </p:cNvSpPr>
-          <p:nvPr>
-            <p:ph idx="1"/>
-          </p:nvPr>
-        </p:nvSpPr>
-        <p:spPr>
-          <a:xfrm>
-            <a:off x="284163" y="1449659"/>
-            <a:ext cx="6216998" cy="4987373"/>
-          </a:xfrm>
-        </p:spPr>
-        <p:txBody>
-          <a:bodyPr>
-            <a:normAutofit fontScale="25000" lnSpcReduction="20000"/>
-          </a:bodyPr>
-          <a:lstStyle/>
-          <a:p>
-            <a:r>
-              <a:rPr lang="en-US" sz="9600" b="1" dirty="0" smtClean="0">
-                <a:solidFill>
-                  <a:srgbClr val="FF0000"/>
-                </a:solidFill>
-              </a:rPr>
-              <a:t>Challenge: </a:t>
-            </a:r>
-            <a:r>
-              <a:rPr lang="en-US" sz="9600" dirty="0" smtClean="0"/>
-              <a:t>Make a menu system that lets you perform 3 actions (display and say the numbers 1, 2, and 3) based on the button pressed</a:t>
-            </a:r>
-            <a:endParaRPr lang="en-US" sz="4900" dirty="0" smtClean="0"/>
-          </a:p>
-          <a:p>
-            <a:r>
-              <a:rPr lang="en-US" sz="7200" b="1" dirty="0" smtClean="0"/>
-              <a:t>Step 1: </a:t>
-            </a:r>
-            <a:r>
-              <a:rPr lang="en-US" sz="7200" dirty="0" smtClean="0"/>
-              <a:t>Use a variable to store the current menu choice</a:t>
-            </a:r>
-          </a:p>
-          <a:p>
-            <a:r>
-              <a:rPr lang="en-US" sz="7200" b="1" dirty="0" smtClean="0"/>
-              <a:t>Step 2: </a:t>
-            </a:r>
-            <a:r>
-              <a:rPr lang="en-US" sz="7200" dirty="0" smtClean="0"/>
-              <a:t>Display the menu description for the current menu choice</a:t>
-            </a:r>
-          </a:p>
-          <a:p>
-            <a:r>
-              <a:rPr lang="en-US" sz="7200" b="1" dirty="0" smtClean="0"/>
-              <a:t>Step 3: </a:t>
-            </a:r>
-            <a:r>
-              <a:rPr lang="en-US" sz="7200" dirty="0" smtClean="0"/>
-              <a:t>Wait for the user to press a button (top, middle, down buttons)</a:t>
-            </a:r>
-          </a:p>
-          <a:p>
-            <a:r>
-              <a:rPr lang="en-US" sz="7200" b="1" dirty="0" smtClean="0"/>
-              <a:t>Step 4: </a:t>
-            </a:r>
-            <a:r>
-              <a:rPr lang="en-US" sz="7200" dirty="0" smtClean="0"/>
-              <a:t>Based on the button press: run the code for the menu choice (for middle button), or increase/decrease the menu choice variable (for up/down buttons)</a:t>
-            </a:r>
-          </a:p>
-          <a:p>
-            <a:r>
-              <a:rPr lang="en-US" sz="7200" b="1" dirty="0" smtClean="0"/>
-              <a:t>Step 5: </a:t>
-            </a:r>
-            <a:r>
-              <a:rPr lang="en-US" sz="7200" dirty="0" smtClean="0"/>
-              <a:t>Go back to 2…</a:t>
-            </a:r>
-          </a:p>
-          <a:p>
-            <a:endParaRPr lang="en-US" dirty="0"/>
-          </a:p>
-        </p:txBody>
-      </p:sp>
-      <p:sp>
-        <p:nvSpPr>
-          <p:cNvPr id="4" name="Footer Placeholder 3"/>
-          <p:cNvSpPr>
-            <a:spLocks noGrp="1"/>
-          </p:cNvSpPr>
-          <p:nvPr>
-            <p:ph type="ftr" sz="quarter" idx="11"/>
-          </p:nvPr>
-        </p:nvSpPr>
-        <p:spPr/>
-        <p:txBody>
-          <a:bodyPr/>
-          <a:lstStyle/>
-          <a:p>
-            <a:r>
-              <a:rPr lang="sk-SK" smtClean="0"/>
-              <a:t>© 2015 EV3Lessons.com, Last edit 02/10/2017</a:t>
-            </a:r>
-            <a:endParaRPr lang="en-US" dirty="0"/>
-          </a:p>
-        </p:txBody>
-      </p:sp>
-      <p:sp>
-        <p:nvSpPr>
-          <p:cNvPr id="5" name="Slide Number Placeholder 4"/>
-          <p:cNvSpPr>
-            <a:spLocks noGrp="1"/>
-          </p:cNvSpPr>
-          <p:nvPr>
-            <p:ph type="sldNum" sz="quarter" idx="12"/>
-          </p:nvPr>
-        </p:nvSpPr>
-        <p:spPr/>
-        <p:txBody>
-          <a:bodyPr/>
-          <a:lstStyle/>
-          <a:p>
-            <a:fld id="{4382A7F7-08BF-4252-8141-63FB96055BBB}" type="slidenum">
-              <a:rPr lang="en-US" smtClean="0"/>
-              <a:pPr/>
-              <a:t>5</a:t>
-            </a:fld>
-            <a:endParaRPr lang="en-US"/>
-          </a:p>
-        </p:txBody>
-      </p:sp>
-      <p:sp>
-        <p:nvSpPr>
-          <p:cNvPr id="2" name="Title 1"/>
-          <p:cNvSpPr>
-            <a:spLocks noGrp="1"/>
-          </p:cNvSpPr>
-          <p:nvPr>
-            <p:ph type="title"/>
-          </p:nvPr>
-        </p:nvSpPr>
-        <p:spPr/>
-        <p:txBody>
-          <a:bodyPr/>
-          <a:lstStyle/>
-          <a:p>
-            <a:r>
-              <a:rPr lang="en-US" smtClean="0"/>
-              <a:t>Menu Challenge</a:t>
-            </a:r>
-            <a:endParaRPr lang="en-US" dirty="0"/>
+              <a:rPr lang="en-US" sz="1800" dirty="0"/>
+              <a:t>Once created, the variable shows up in the Block Palette under Variables. A Set “Menu” and Change “Menu” Block are also automatically created.</a:t>
+            </a:r>
           </a:p>
         </p:txBody>
       </p:sp>
       <p:pic>
         <p:nvPicPr>
-          <p:cNvPr id="10" name="Picture 9"/>
+          <p:cNvPr id="5" name="Picture 4" descr="A screenshot of a cell phone&#10;&#10;Description automatically generated">
+            <a:extLst>
+              <a:ext uri="{FF2B5EF4-FFF2-40B4-BE49-F238E27FC236}">
+                <a16:creationId xmlns:a16="http://schemas.microsoft.com/office/drawing/2014/main" id="{9DA829B2-7591-F74A-AA20-8E5FA1444E86}"/>
+              </a:ext>
+            </a:extLst>
+          </p:cNvPr>
           <p:cNvPicPr>
             <a:picLocks noChangeAspect="1"/>
           </p:cNvPicPr>
@@ -6431,8 +6630,8 @@
         </p:blipFill>
         <p:spPr>
           <a:xfrm>
-            <a:off x="6872758" y="3648082"/>
-            <a:ext cx="1737396" cy="1273336"/>
+            <a:off x="293146" y="3429000"/>
+            <a:ext cx="2247900" cy="2540000"/>
           </a:xfrm>
           <a:prstGeom prst="rect">
             <a:avLst/>
@@ -6441,7 +6640,13 @@
       </p:pic>
       <p:pic>
         <p:nvPicPr>
-          <p:cNvPr id="11" name="Picture 10"/>
+          <p:cNvPr id="7" name="Picture 6" descr="A screenshot of a cell phone&#10;&#10;Description automatically generated">
+            <a:extLst>
+              <a:ext uri="{FF2B5EF4-FFF2-40B4-BE49-F238E27FC236}">
+                <a16:creationId xmlns:a16="http://schemas.microsoft.com/office/drawing/2014/main" id="{9FF81125-4932-C04E-84BF-6C3B11130044}"/>
+              </a:ext>
+            </a:extLst>
+          </p:cNvPr>
           <p:cNvPicPr>
             <a:picLocks noChangeAspect="1"/>
           </p:cNvPicPr>
@@ -6461,100 +6666,24 @@
         </p:blipFill>
         <p:spPr>
           <a:xfrm>
-            <a:off x="6857519" y="2095990"/>
-            <a:ext cx="1722155" cy="1236564"/>
+            <a:off x="293146" y="1600441"/>
+            <a:ext cx="3071433" cy="1643866"/>
           </a:xfrm>
           <a:prstGeom prst="rect">
             <a:avLst/>
           </a:prstGeom>
         </p:spPr>
       </p:pic>
-      <p:pic>
-        <p:nvPicPr>
-          <p:cNvPr id="12" name="Picture 11"/>
-          <p:cNvPicPr>
-            <a:picLocks noChangeAspect="1"/>
-          </p:cNvPicPr>
-          <p:nvPr/>
-        </p:nvPicPr>
-        <p:blipFill>
-          <a:blip r:embed="rId4">
-            <a:extLst>
-              <a:ext uri="{28A0092B-C50C-407E-A947-70E740481C1C}">
-                <a14:useLocalDpi xmlns:a14="http://schemas.microsoft.com/office/drawing/2010/main" val="0"/>
-              </a:ext>
-            </a:extLst>
-          </a:blip>
-          <a:stretch>
-            <a:fillRect/>
-          </a:stretch>
-        </p:blipFill>
-        <p:spPr>
-          <a:xfrm>
-            <a:off x="6872758" y="5141330"/>
-            <a:ext cx="1706916" cy="1256245"/>
-          </a:xfrm>
-          <a:prstGeom prst="rect">
-            <a:avLst/>
-          </a:prstGeom>
-        </p:spPr>
-      </p:pic>
-      <p:sp>
-        <p:nvSpPr>
-          <p:cNvPr id="13" name="TextBox 12"/>
-          <p:cNvSpPr txBox="1"/>
-          <p:nvPr/>
-        </p:nvSpPr>
-        <p:spPr>
-          <a:xfrm>
-            <a:off x="6585626" y="1449659"/>
-            <a:ext cx="2236398" cy="646331"/>
-          </a:xfrm>
-          <a:prstGeom prst="rect">
-            <a:avLst/>
-          </a:prstGeom>
-          <a:noFill/>
-        </p:spPr>
-        <p:txBody>
-          <a:bodyPr wrap="square" rtlCol="0">
-            <a:spAutoFit/>
-          </a:bodyPr>
-          <a:lstStyle/>
-          <a:p>
-            <a:pPr algn="ctr"/>
-            <a:r>
-              <a:rPr lang="en-US" dirty="0" smtClean="0">
-                <a:solidFill>
-                  <a:srgbClr val="FF0000"/>
-                </a:solidFill>
-              </a:rPr>
-              <a:t>What you will see on the EV3 Brick</a:t>
-            </a:r>
-            <a:endParaRPr lang="en-US" dirty="0">
-              <a:solidFill>
-                <a:srgbClr val="FF0000"/>
-              </a:solidFill>
-            </a:endParaRPr>
-          </a:p>
-        </p:txBody>
-      </p:sp>
     </p:spTree>
     <p:extLst>
       <p:ext uri="{BB962C8B-B14F-4D97-AF65-F5344CB8AC3E}">
-        <p14:creationId xmlns:p14="http://schemas.microsoft.com/office/powerpoint/2010/main" val="528288592"/>
+        <p14:creationId xmlns:p14="http://schemas.microsoft.com/office/powerpoint/2010/main" val="3111724294"/>
       </p:ext>
     </p:extLst>
   </p:cSld>
   <p:clrMapOvr>
     <a:masterClrMapping/>
   </p:clrMapOvr>
-  <p:timing>
-    <p:tnLst>
-      <p:par>
-        <p:cTn id="1" dur="indefinite" restart="never" nodeType="tmRoot"/>
-      </p:par>
-    </p:tnLst>
-  </p:timing>
 </p:sld>
 </file>
 
@@ -6577,35 +6706,66 @@
       </p:grpSpPr>
       <p:sp>
         <p:nvSpPr>
-          <p:cNvPr id="3" name="Footer Placeholder 2"/>
-          <p:cNvSpPr>
-            <a:spLocks noGrp="1"/>
-          </p:cNvSpPr>
-          <p:nvPr>
-            <p:ph type="ftr" sz="quarter" idx="11"/>
-          </p:nvPr>
-        </p:nvSpPr>
-        <p:spPr/>
+          <p:cNvPr id="2" name="Content Placeholder 1">
+            <a:extLst>
+              <a:ext uri="{FF2B5EF4-FFF2-40B4-BE49-F238E27FC236}">
+                <a16:creationId xmlns:a16="http://schemas.microsoft.com/office/drawing/2014/main" id="{FF9CE791-E9FC-B244-8DEE-8700BF9F8C05}"/>
+              </a:ext>
+            </a:extLst>
+          </p:cNvPr>
+          <p:cNvSpPr>
+            <a:spLocks noGrp="1"/>
+          </p:cNvSpPr>
+          <p:nvPr>
+            <p:ph idx="1"/>
+          </p:nvPr>
+        </p:nvSpPr>
+        <p:spPr>
+          <a:xfrm>
+            <a:off x="4141416" y="1818870"/>
+            <a:ext cx="4716834" cy="4307294"/>
+          </a:xfrm>
+        </p:spPr>
         <p:txBody>
           <a:bodyPr/>
           <a:lstStyle/>
           <a:p>
             <a:r>
-              <a:rPr lang="sk-SK" smtClean="0"/>
-              <a:t>© 2015 EV3Lessons.com, Last edit 02/10/2017</a:t>
-            </a:r>
-            <a:endParaRPr lang="en-US"/>
-          </a:p>
-        </p:txBody>
-      </p:sp>
-      <p:sp>
-        <p:nvSpPr>
-          <p:cNvPr id="4" name="Slide Number Placeholder 3"/>
-          <p:cNvSpPr>
-            <a:spLocks noGrp="1"/>
-          </p:cNvSpPr>
-          <p:nvPr>
-            <p:ph type="sldNum" sz="quarter" idx="12"/>
+              <a:rPr lang="en-US" dirty="0"/>
+              <a:t>Set Variable Menu to start at 1</a:t>
+            </a:r>
+          </a:p>
+          <a:p>
+            <a:r>
+              <a:rPr lang="en-US" dirty="0"/>
+              <a:t>Display the word ONE, TWO or THREE at the center of the screen using Display Blocks</a:t>
+            </a:r>
+          </a:p>
+          <a:p>
+            <a:r>
+              <a:rPr lang="en-US" dirty="0"/>
+              <a:t>Clear the screen before each word is displayed</a:t>
+            </a:r>
+          </a:p>
+          <a:p>
+            <a:endParaRPr lang="en-US" dirty="0"/>
+          </a:p>
+        </p:txBody>
+      </p:sp>
+      <p:sp>
+        <p:nvSpPr>
+          <p:cNvPr id="3" name="Footer Placeholder 2">
+            <a:extLst>
+              <a:ext uri="{FF2B5EF4-FFF2-40B4-BE49-F238E27FC236}">
+                <a16:creationId xmlns:a16="http://schemas.microsoft.com/office/drawing/2014/main" id="{8B0B15A7-B64E-1841-BE03-48D9F54795BC}"/>
+              </a:ext>
+            </a:extLst>
+          </p:cNvPr>
+          <p:cNvSpPr>
+            <a:spLocks noGrp="1"/>
+          </p:cNvSpPr>
+          <p:nvPr>
+            <p:ph type="ftr" sz="quarter" idx="11"/>
           </p:nvPr>
         </p:nvSpPr>
         <p:spPr/>
@@ -6613,17 +6773,23 @@
           <a:bodyPr/>
           <a:lstStyle/>
           <a:p>
-            <a:fld id="{4382A7F7-08BF-4252-8141-63FB96055BBB}" type="slidenum">
-              <a:rPr lang="en-US" smtClean="0"/>
-              <a:t>6</a:t>
-            </a:fld>
+            <a:r>
+              <a:rPr lang="sk-SK"/>
+              <a:t>© 2020 EV3Lessons.com, Last edit 12/29/2019</a:t>
+            </a:r>
             <a:endParaRPr lang="en-US"/>
           </a:p>
         </p:txBody>
       </p:sp>
       <p:sp>
         <p:nvSpPr>
-          <p:cNvPr id="5" name="Title 4"/>
+          <p:cNvPr id="4" name="Title 3">
+            <a:extLst>
+              <a:ext uri="{FF2B5EF4-FFF2-40B4-BE49-F238E27FC236}">
+                <a16:creationId xmlns:a16="http://schemas.microsoft.com/office/drawing/2014/main" id="{E319A4D0-7CBE-EA43-AF5D-93F1B392F35E}"/>
+              </a:ext>
+            </a:extLst>
+          </p:cNvPr>
           <p:cNvSpPr>
             <a:spLocks noGrp="1"/>
           </p:cNvSpPr>
@@ -6637,52 +6803,28 @@
           <a:lstStyle/>
           <a:p>
             <a:r>
-              <a:rPr lang="en-US" dirty="0" smtClean="0"/>
-              <a:t>Challenge Solution</a:t>
-            </a:r>
-            <a:endParaRPr lang="en-US" dirty="0"/>
+              <a:rPr lang="en-US" dirty="0"/>
+              <a:t>Solution Part 1</a:t>
+            </a:r>
           </a:p>
         </p:txBody>
       </p:sp>
       <p:pic>
         <p:nvPicPr>
-          <p:cNvPr id="7" name="Picture 6"/>
-          <p:cNvPicPr>
-            <a:picLocks noChangeAspect="1"/>
-          </p:cNvPicPr>
-          <p:nvPr/>
-        </p:nvPicPr>
-        <p:blipFill rotWithShape="1">
-          <a:blip r:embed="rId2">
+          <p:cNvPr id="5" name="Content Placeholder 15" descr="A screenshot of a cell phone&#10;&#10;Description automatically generated">
             <a:extLst>
-              <a:ext uri="{28A0092B-C50C-407E-A947-70E740481C1C}">
-                <a14:useLocalDpi xmlns:a14="http://schemas.microsoft.com/office/drawing/2010/main" val="0"/>
+              <a:ext uri="{FF2B5EF4-FFF2-40B4-BE49-F238E27FC236}">
+                <a16:creationId xmlns:a16="http://schemas.microsoft.com/office/drawing/2014/main" id="{931FD25F-6A72-8049-8909-9532B9B5A261}"/>
               </a:ext>
             </a:extLst>
-          </a:blip>
-          <a:srcRect t="25003"/>
-          <a:stretch/>
-        </p:blipFill>
-        <p:spPr>
-          <a:xfrm>
-            <a:off x="143126" y="3647529"/>
-            <a:ext cx="9000873" cy="2804978"/>
-          </a:xfrm>
-          <a:prstGeom prst="rect">
-            <a:avLst/>
-          </a:prstGeom>
-        </p:spPr>
-      </p:pic>
-      <p:pic>
-        <p:nvPicPr>
-          <p:cNvPr id="8" name="Picture 7"/>
+          </p:cNvPr>
           <p:cNvPicPr>
             <a:picLocks noChangeAspect="1"/>
           </p:cNvPicPr>
           <p:nvPr/>
         </p:nvPicPr>
         <p:blipFill>
-          <a:blip r:embed="rId3">
+          <a:blip r:embed="rId2">
             <a:extLst>
               <a:ext uri="{28A0092B-C50C-407E-A947-70E740481C1C}">
                 <a14:useLocalDpi xmlns:a14="http://schemas.microsoft.com/office/drawing/2010/main" val="0"/>
@@ -6695,451 +6837,24 @@
         </p:blipFill>
         <p:spPr>
           <a:xfrm>
-            <a:off x="3688058" y="1565858"/>
-            <a:ext cx="2395270" cy="1772969"/>
+            <a:off x="199697" y="1482982"/>
+            <a:ext cx="3941719" cy="4798615"/>
           </a:xfrm>
           <a:prstGeom prst="rect">
             <a:avLst/>
           </a:prstGeom>
         </p:spPr>
       </p:pic>
-      <p:pic>
-        <p:nvPicPr>
-          <p:cNvPr id="9" name="Picture 8"/>
-          <p:cNvPicPr>
-            <a:picLocks noChangeAspect="1"/>
-          </p:cNvPicPr>
-          <p:nvPr/>
-        </p:nvPicPr>
-        <p:blipFill>
-          <a:blip r:embed="rId4">
-            <a:extLst>
-              <a:ext uri="{28A0092B-C50C-407E-A947-70E740481C1C}">
-                <a14:useLocalDpi xmlns:a14="http://schemas.microsoft.com/office/drawing/2010/main" val="0"/>
-              </a:ext>
-            </a:extLst>
-          </a:blip>
-          <a:stretch>
-            <a:fillRect/>
-          </a:stretch>
-        </p:blipFill>
-        <p:spPr>
-          <a:xfrm>
-            <a:off x="6373237" y="1532360"/>
-            <a:ext cx="2572350" cy="1867427"/>
-          </a:xfrm>
-          <a:prstGeom prst="rect">
-            <a:avLst/>
-          </a:prstGeom>
-        </p:spPr>
-      </p:pic>
-      <p:pic>
-        <p:nvPicPr>
-          <p:cNvPr id="10" name="Picture 9"/>
-          <p:cNvPicPr>
-            <a:picLocks noChangeAspect="1"/>
-          </p:cNvPicPr>
-          <p:nvPr/>
-        </p:nvPicPr>
-        <p:blipFill>
-          <a:blip r:embed="rId5">
-            <a:extLst>
-              <a:ext uri="{28A0092B-C50C-407E-A947-70E740481C1C}">
-                <a14:useLocalDpi xmlns:a14="http://schemas.microsoft.com/office/drawing/2010/main" val="0"/>
-              </a:ext>
-            </a:extLst>
-          </a:blip>
-          <a:stretch>
-            <a:fillRect/>
-          </a:stretch>
-        </p:blipFill>
-        <p:spPr>
-          <a:xfrm>
-            <a:off x="240659" y="1533249"/>
-            <a:ext cx="1538205" cy="1484960"/>
-          </a:xfrm>
-          <a:prstGeom prst="rect">
-            <a:avLst/>
-          </a:prstGeom>
-        </p:spPr>
-      </p:pic>
-      <p:pic>
-        <p:nvPicPr>
-          <p:cNvPr id="11" name="Picture 10"/>
-          <p:cNvPicPr>
-            <a:picLocks noChangeAspect="1"/>
-          </p:cNvPicPr>
-          <p:nvPr/>
-        </p:nvPicPr>
-        <p:blipFill>
-          <a:blip r:embed="rId6">
-            <a:extLst>
-              <a:ext uri="{28A0092B-C50C-407E-A947-70E740481C1C}">
-                <a14:useLocalDpi xmlns:a14="http://schemas.microsoft.com/office/drawing/2010/main" val="0"/>
-              </a:ext>
-            </a:extLst>
-          </a:blip>
-          <a:stretch>
-            <a:fillRect/>
-          </a:stretch>
-        </p:blipFill>
-        <p:spPr>
-          <a:xfrm>
-            <a:off x="1866241" y="1535531"/>
-            <a:ext cx="1522079" cy="1474514"/>
-          </a:xfrm>
-          <a:prstGeom prst="rect">
-            <a:avLst/>
-          </a:prstGeom>
-        </p:spPr>
-      </p:pic>
-      <p:sp>
-        <p:nvSpPr>
-          <p:cNvPr id="12" name="Rounded Rectangle 11"/>
-          <p:cNvSpPr/>
-          <p:nvPr/>
-        </p:nvSpPr>
-        <p:spPr>
-          <a:xfrm>
-            <a:off x="3551604" y="1348102"/>
-            <a:ext cx="5482770" cy="2213375"/>
-          </a:xfrm>
-          <a:prstGeom prst="roundRect">
-            <a:avLst/>
-          </a:prstGeom>
-          <a:noFill/>
-          <a:ln w="57150">
-            <a:solidFill>
-              <a:srgbClr val="FF0000"/>
-            </a:solidFill>
-          </a:ln>
-        </p:spPr>
-        <p:style>
-          <a:lnRef idx="1">
-            <a:schemeClr val="accent1"/>
-          </a:lnRef>
-          <a:fillRef idx="3">
-            <a:schemeClr val="accent1"/>
-          </a:fillRef>
-          <a:effectRef idx="2">
-            <a:schemeClr val="accent1"/>
-          </a:effectRef>
-          <a:fontRef idx="minor">
-            <a:schemeClr val="lt1"/>
-          </a:fontRef>
-        </p:style>
-        <p:txBody>
-          <a:bodyPr rtlCol="0" anchor="ctr"/>
-          <a:lstStyle/>
-          <a:p>
-            <a:pPr algn="ctr"/>
-            <a:endParaRPr lang="en-US"/>
-          </a:p>
-        </p:txBody>
-      </p:sp>
-      <p:sp>
-        <p:nvSpPr>
-          <p:cNvPr id="13" name="Rounded Rectangle 12"/>
-          <p:cNvSpPr/>
-          <p:nvPr/>
-        </p:nvSpPr>
-        <p:spPr>
-          <a:xfrm>
-            <a:off x="143126" y="1403477"/>
-            <a:ext cx="3336988" cy="1802454"/>
-          </a:xfrm>
-          <a:prstGeom prst="roundRect">
-            <a:avLst/>
-          </a:prstGeom>
-          <a:noFill/>
-          <a:ln w="57150">
-            <a:solidFill>
-              <a:srgbClr val="00B050"/>
-            </a:solidFill>
-          </a:ln>
-        </p:spPr>
-        <p:style>
-          <a:lnRef idx="1">
-            <a:schemeClr val="accent1"/>
-          </a:lnRef>
-          <a:fillRef idx="3">
-            <a:schemeClr val="accent1"/>
-          </a:fillRef>
-          <a:effectRef idx="2">
-            <a:schemeClr val="accent1"/>
-          </a:effectRef>
-          <a:fontRef idx="minor">
-            <a:schemeClr val="lt1"/>
-          </a:fontRef>
-        </p:style>
-        <p:txBody>
-          <a:bodyPr rtlCol="0" anchor="ctr"/>
-          <a:lstStyle/>
-          <a:p>
-            <a:pPr algn="ctr"/>
-            <a:endParaRPr lang="en-US">
-              <a:ln w="0"/>
-              <a:solidFill>
-                <a:schemeClr val="tx1"/>
-              </a:solidFill>
-              <a:effectLst>
-                <a:outerShdw blurRad="38100" dist="19050" dir="2700000" algn="tl" rotWithShape="0">
-                  <a:schemeClr val="dk1">
-                    <a:alpha val="40000"/>
-                  </a:schemeClr>
-                </a:outerShdw>
-              </a:effectLst>
-            </a:endParaRPr>
-          </a:p>
-        </p:txBody>
-      </p:sp>
-      <p:sp>
-        <p:nvSpPr>
-          <p:cNvPr id="14" name="Rounded Rectangle 13"/>
-          <p:cNvSpPr/>
-          <p:nvPr/>
-        </p:nvSpPr>
-        <p:spPr>
-          <a:xfrm>
-            <a:off x="2438399" y="4053929"/>
-            <a:ext cx="1799771" cy="240578"/>
-          </a:xfrm>
-          <a:prstGeom prst="roundRect">
-            <a:avLst/>
-          </a:prstGeom>
-          <a:noFill/>
-          <a:ln w="57150">
-            <a:solidFill>
-              <a:srgbClr val="00B050"/>
-            </a:solidFill>
-          </a:ln>
-        </p:spPr>
-        <p:style>
-          <a:lnRef idx="1">
-            <a:schemeClr val="accent1"/>
-          </a:lnRef>
-          <a:fillRef idx="3">
-            <a:schemeClr val="accent1"/>
-          </a:fillRef>
-          <a:effectRef idx="2">
-            <a:schemeClr val="accent1"/>
-          </a:effectRef>
-          <a:fontRef idx="minor">
-            <a:schemeClr val="lt1"/>
-          </a:fontRef>
-        </p:style>
-        <p:txBody>
-          <a:bodyPr rtlCol="0" anchor="ctr"/>
-          <a:lstStyle/>
-          <a:p>
-            <a:pPr algn="ctr"/>
-            <a:endParaRPr lang="en-US">
-              <a:ln w="0"/>
-              <a:solidFill>
-                <a:schemeClr val="tx1"/>
-              </a:solidFill>
-              <a:effectLst>
-                <a:outerShdw blurRad="38100" dist="19050" dir="2700000" algn="tl" rotWithShape="0">
-                  <a:schemeClr val="dk1">
-                    <a:alpha val="40000"/>
-                  </a:schemeClr>
-                </a:outerShdw>
-              </a:effectLst>
-            </a:endParaRPr>
-          </a:p>
-        </p:txBody>
-      </p:sp>
-      <p:sp>
-        <p:nvSpPr>
-          <p:cNvPr id="15" name="Rounded Rectangle 14"/>
-          <p:cNvSpPr/>
-          <p:nvPr/>
-        </p:nvSpPr>
-        <p:spPr>
-          <a:xfrm>
-            <a:off x="5849257" y="4239132"/>
-            <a:ext cx="1306286" cy="221196"/>
-          </a:xfrm>
-          <a:prstGeom prst="roundRect">
-            <a:avLst/>
-          </a:prstGeom>
-          <a:noFill/>
-          <a:ln w="57150">
-            <a:solidFill>
-              <a:srgbClr val="FF0000"/>
-            </a:solidFill>
-          </a:ln>
-        </p:spPr>
-        <p:style>
-          <a:lnRef idx="1">
-            <a:schemeClr val="accent1"/>
-          </a:lnRef>
-          <a:fillRef idx="3">
-            <a:schemeClr val="accent1"/>
-          </a:fillRef>
-          <a:effectRef idx="2">
-            <a:schemeClr val="accent1"/>
-          </a:effectRef>
-          <a:fontRef idx="minor">
-            <a:schemeClr val="lt1"/>
-          </a:fontRef>
-        </p:style>
-        <p:txBody>
-          <a:bodyPr rtlCol="0" anchor="ctr"/>
-          <a:lstStyle/>
-          <a:p>
-            <a:pPr algn="ctr"/>
-            <a:endParaRPr lang="en-US"/>
-          </a:p>
-        </p:txBody>
-      </p:sp>
-      <p:cxnSp>
-        <p:nvCxnSpPr>
-          <p:cNvPr id="17" name="Straight Connector 16"/>
-          <p:cNvCxnSpPr/>
-          <p:nvPr/>
-        </p:nvCxnSpPr>
-        <p:spPr>
-          <a:xfrm flipH="1" flipV="1">
-            <a:off x="3093145" y="3270391"/>
-            <a:ext cx="114513" cy="783538"/>
-          </a:xfrm>
-          <a:prstGeom prst="line">
-            <a:avLst/>
-          </a:prstGeom>
-          <a:ln>
-            <a:solidFill>
-              <a:srgbClr val="00B050"/>
-            </a:solidFill>
-          </a:ln>
-        </p:spPr>
-        <p:style>
-          <a:lnRef idx="2">
-            <a:schemeClr val="accent1"/>
-          </a:lnRef>
-          <a:fillRef idx="0">
-            <a:schemeClr val="accent1"/>
-          </a:fillRef>
-          <a:effectRef idx="1">
-            <a:schemeClr val="accent1"/>
-          </a:effectRef>
-          <a:fontRef idx="minor">
-            <a:schemeClr val="tx1"/>
-          </a:fontRef>
-        </p:style>
-      </p:cxnSp>
-      <p:cxnSp>
-        <p:nvCxnSpPr>
-          <p:cNvPr id="18" name="Straight Connector 17"/>
-          <p:cNvCxnSpPr/>
-          <p:nvPr/>
-        </p:nvCxnSpPr>
-        <p:spPr>
-          <a:xfrm>
-            <a:off x="6533443" y="3524539"/>
-            <a:ext cx="0" cy="752877"/>
-          </a:xfrm>
-          <a:prstGeom prst="line">
-            <a:avLst/>
-          </a:prstGeom>
-          <a:ln>
-            <a:solidFill>
-              <a:srgbClr val="FF0000"/>
-            </a:solidFill>
-          </a:ln>
-        </p:spPr>
-        <p:style>
-          <a:lnRef idx="2">
-            <a:schemeClr val="accent1"/>
-          </a:lnRef>
-          <a:fillRef idx="0">
-            <a:schemeClr val="accent1"/>
-          </a:fillRef>
-          <a:effectRef idx="1">
-            <a:schemeClr val="accent1"/>
-          </a:effectRef>
-          <a:fontRef idx="minor">
-            <a:schemeClr val="tx1"/>
-          </a:fontRef>
-        </p:style>
-      </p:cxnSp>
-      <p:cxnSp>
-        <p:nvCxnSpPr>
-          <p:cNvPr id="6" name="Straight Connector 5"/>
-          <p:cNvCxnSpPr/>
-          <p:nvPr/>
-        </p:nvCxnSpPr>
-        <p:spPr>
-          <a:xfrm>
-            <a:off x="1811620" y="1378985"/>
-            <a:ext cx="22631" cy="1866914"/>
-          </a:xfrm>
-          <a:prstGeom prst="line">
-            <a:avLst/>
-          </a:prstGeom>
-        </p:spPr>
-        <p:style>
-          <a:lnRef idx="2">
-            <a:schemeClr val="dk1"/>
-          </a:lnRef>
-          <a:fillRef idx="0">
-            <a:schemeClr val="dk1"/>
-          </a:fillRef>
-          <a:effectRef idx="1">
-            <a:schemeClr val="dk1"/>
-          </a:effectRef>
-          <a:fontRef idx="minor">
-            <a:schemeClr val="tx1"/>
-          </a:fontRef>
-        </p:style>
-      </p:cxnSp>
-      <p:cxnSp>
-        <p:nvCxnSpPr>
-          <p:cNvPr id="19" name="Straight Connector 18"/>
-          <p:cNvCxnSpPr/>
-          <p:nvPr/>
-        </p:nvCxnSpPr>
-        <p:spPr>
-          <a:xfrm>
-            <a:off x="6230578" y="1348102"/>
-            <a:ext cx="36035" cy="2213375"/>
-          </a:xfrm>
-          <a:prstGeom prst="line">
-            <a:avLst/>
-          </a:prstGeom>
-        </p:spPr>
-        <p:style>
-          <a:lnRef idx="2">
-            <a:schemeClr val="dk1"/>
-          </a:lnRef>
-          <a:fillRef idx="0">
-            <a:schemeClr val="dk1"/>
-          </a:fillRef>
-          <a:effectRef idx="1">
-            <a:schemeClr val="dk1"/>
-          </a:effectRef>
-          <a:fontRef idx="minor">
-            <a:schemeClr val="tx1"/>
-          </a:fontRef>
-        </p:style>
-      </p:cxnSp>
     </p:spTree>
     <p:extLst>
       <p:ext uri="{BB962C8B-B14F-4D97-AF65-F5344CB8AC3E}">
-        <p14:creationId xmlns:p14="http://schemas.microsoft.com/office/powerpoint/2010/main" val="1252523095"/>
+        <p14:creationId xmlns:p14="http://schemas.microsoft.com/office/powerpoint/2010/main" val="2060605727"/>
       </p:ext>
     </p:extLst>
   </p:cSld>
   <p:clrMapOvr>
     <a:masterClrMapping/>
   </p:clrMapOvr>
-  <p:timing>
-    <p:tnLst>
-      <p:par>
-        <p:cTn id="1" dur="indefinite" restart="never" nodeType="tmRoot"/>
-      </p:par>
-    </p:tnLst>
-  </p:timing>
 </p:sld>
 </file>
 
@@ -7162,7 +6877,13 @@
       </p:grpSpPr>
       <p:sp>
         <p:nvSpPr>
-          <p:cNvPr id="3" name="Content Placeholder 2"/>
+          <p:cNvPr id="2" name="Content Placeholder 1">
+            <a:extLst>
+              <a:ext uri="{FF2B5EF4-FFF2-40B4-BE49-F238E27FC236}">
+                <a16:creationId xmlns:a16="http://schemas.microsoft.com/office/drawing/2014/main" id="{330A51A3-F808-294B-BD1E-8EF69E2DB268}"/>
+              </a:ext>
+            </a:extLst>
+          </p:cNvPr>
           <p:cNvSpPr>
             <a:spLocks noGrp="1"/>
           </p:cNvSpPr>
@@ -7170,54 +6891,38 @@
             <p:ph idx="1"/>
           </p:nvPr>
         </p:nvSpPr>
-        <p:spPr/>
+        <p:spPr>
+          <a:xfrm>
+            <a:off x="3332968" y="1458813"/>
+            <a:ext cx="5525282" cy="4978219"/>
+          </a:xfrm>
+        </p:spPr>
         <p:txBody>
           <a:bodyPr/>
           <a:lstStyle/>
           <a:p>
             <a:r>
-              <a:rPr lang="en-US" dirty="0" smtClean="0"/>
-              <a:t>The ideas in this lesson can be adapted to help you build a mission sequencer for FLL. Sequencers are useful because they:</a:t>
-            </a:r>
-          </a:p>
-          <a:p>
-            <a:pPr lvl="1"/>
-            <a:r>
-              <a:rPr lang="en-US" dirty="0" smtClean="0"/>
-              <a:t>Allow you to skip missions if you are short of time</a:t>
-            </a:r>
-          </a:p>
-          <a:p>
-            <a:pPr lvl="1"/>
-            <a:r>
-              <a:rPr lang="en-US" dirty="0" smtClean="0"/>
-              <a:t>Allow you to repeat failed missions</a:t>
-            </a:r>
-          </a:p>
-          <a:p>
-            <a:pPr lvl="1"/>
-            <a:r>
-              <a:rPr lang="en-US" dirty="0" smtClean="0"/>
-              <a:t>Allow you access missions quickly (find them easily)</a:t>
-            </a:r>
-          </a:p>
-          <a:p>
-            <a:r>
-              <a:rPr lang="en-US" dirty="0" smtClean="0"/>
-              <a:t>If your Menu Action code is long (not just a display and sound), consider creating My Blocks out of your code</a:t>
-            </a:r>
-          </a:p>
-          <a:p>
-            <a:endParaRPr lang="en-US" dirty="0" smtClean="0"/>
-          </a:p>
-          <a:p>
-            <a:endParaRPr lang="en-US" dirty="0"/>
-          </a:p>
-        </p:txBody>
-      </p:sp>
-      <p:sp>
-        <p:nvSpPr>
-          <p:cNvPr id="4" name="Footer Placeholder 3"/>
+              <a:rPr lang="en-US" dirty="0"/>
+              <a:t>When the Up or Down brick buttons are pressed, change the value of the variable Menu by 1</a:t>
+            </a:r>
+          </a:p>
+          <a:p>
+            <a:r>
+              <a:rPr lang="en-US" dirty="0"/>
+              <a:t>Depending upon which value is picked, play a different sounds (“one”, “two”, or “three”)</a:t>
+            </a:r>
+          </a:p>
+        </p:txBody>
+      </p:sp>
+      <p:sp>
+        <p:nvSpPr>
+          <p:cNvPr id="3" name="Footer Placeholder 2">
+            <a:extLst>
+              <a:ext uri="{FF2B5EF4-FFF2-40B4-BE49-F238E27FC236}">
+                <a16:creationId xmlns:a16="http://schemas.microsoft.com/office/drawing/2014/main" id="{A404B26F-5D00-0147-9600-CDD9BD19E9B2}"/>
+              </a:ext>
+            </a:extLst>
+          </p:cNvPr>
           <p:cNvSpPr>
             <a:spLocks noGrp="1"/>
           </p:cNvSpPr>
@@ -7231,8 +6936,8 @@
           <a:lstStyle/>
           <a:p>
             <a:r>
-              <a:rPr lang="sk-SK" smtClean="0"/>
-              <a:t>© 2015 EV3Lessons.com, Last edit 02/10/2017</a:t>
+              <a:rPr lang="sk-SK"/>
+              <a:t>© 2020 EV3Lessons.com, Last edit 12/29/2019</a:t>
             </a:r>
             <a:endParaRPr lang="en-US"/>
           </a:p>
@@ -7240,12 +6945,18 @@
       </p:sp>
       <p:sp>
         <p:nvSpPr>
-          <p:cNvPr id="5" name="Slide Number Placeholder 4"/>
-          <p:cNvSpPr>
-            <a:spLocks noGrp="1"/>
-          </p:cNvSpPr>
-          <p:nvPr>
-            <p:ph type="sldNum" sz="quarter" idx="12"/>
+          <p:cNvPr id="4" name="Title 3">
+            <a:extLst>
+              <a:ext uri="{FF2B5EF4-FFF2-40B4-BE49-F238E27FC236}">
+                <a16:creationId xmlns:a16="http://schemas.microsoft.com/office/drawing/2014/main" id="{D30B4E64-1C83-6A4B-A18E-68C6BBD9EE91}"/>
+              </a:ext>
+            </a:extLst>
+          </p:cNvPr>
+          <p:cNvSpPr>
+            <a:spLocks noGrp="1"/>
+          </p:cNvSpPr>
+          <p:nvPr>
+            <p:ph type="title"/>
           </p:nvPr>
         </p:nvSpPr>
         <p:spPr/>
@@ -7253,55 +6964,92 @@
           <a:bodyPr/>
           <a:lstStyle/>
           <a:p>
-            <a:fld id="{4382A7F7-08BF-4252-8141-63FB96055BBB}" type="slidenum">
-              <a:rPr lang="en-US" smtClean="0"/>
-              <a:pPr/>
-              <a:t>7</a:t>
-            </a:fld>
-            <a:endParaRPr lang="en-US"/>
-          </a:p>
-        </p:txBody>
-      </p:sp>
-      <p:sp>
-        <p:nvSpPr>
-          <p:cNvPr id="2" name="Title 1"/>
-          <p:cNvSpPr>
-            <a:spLocks noGrp="1"/>
-          </p:cNvSpPr>
-          <p:nvPr>
-            <p:ph type="title"/>
-          </p:nvPr>
-        </p:nvSpPr>
-        <p:spPr/>
-        <p:txBody>
-          <a:bodyPr/>
+            <a:r>
+              <a:rPr lang="en-US" dirty="0"/>
+              <a:t>Solution Part 2</a:t>
+            </a:r>
+          </a:p>
+        </p:txBody>
+      </p:sp>
+      <p:pic>
+        <p:nvPicPr>
+          <p:cNvPr id="5" name="Picture 4">
+            <a:extLst>
+              <a:ext uri="{FF2B5EF4-FFF2-40B4-BE49-F238E27FC236}">
+                <a16:creationId xmlns:a16="http://schemas.microsoft.com/office/drawing/2014/main" id="{BDBCDFE8-09AA-C64D-99D7-DFCD953DA931}"/>
+              </a:ext>
+            </a:extLst>
+          </p:cNvPr>
+          <p:cNvPicPr>
+            <a:picLocks noChangeAspect="1"/>
+          </p:cNvPicPr>
+          <p:nvPr/>
+        </p:nvPicPr>
+        <p:blipFill>
+          <a:blip r:embed="rId2"/>
+          <a:stretch>
+            <a:fillRect/>
+          </a:stretch>
+        </p:blipFill>
+        <p:spPr>
+          <a:xfrm>
+            <a:off x="284163" y="1458813"/>
+            <a:ext cx="3048805" cy="5160781"/>
+          </a:xfrm>
+          <a:prstGeom prst="rect">
+            <a:avLst/>
+          </a:prstGeom>
+        </p:spPr>
+      </p:pic>
+      <p:sp>
+        <p:nvSpPr>
+          <p:cNvPr id="6" name="TextBox 5">
+            <a:extLst>
+              <a:ext uri="{FF2B5EF4-FFF2-40B4-BE49-F238E27FC236}">
+                <a16:creationId xmlns:a16="http://schemas.microsoft.com/office/drawing/2014/main" id="{9D6C3FCB-5893-864A-9409-A9308DBDB6CA}"/>
+              </a:ext>
+            </a:extLst>
+          </p:cNvPr>
+          <p:cNvSpPr txBox="1"/>
+          <p:nvPr/>
+        </p:nvSpPr>
+        <p:spPr>
+          <a:xfrm>
+            <a:off x="3903993" y="4475857"/>
+            <a:ext cx="4383232" cy="923330"/>
+          </a:xfrm>
+          <a:prstGeom prst="rect">
+            <a:avLst/>
+          </a:prstGeom>
+          <a:solidFill>
+            <a:schemeClr val="bg1">
+              <a:lumMod val="95000"/>
+            </a:schemeClr>
+          </a:solidFill>
+        </p:spPr>
+        <p:txBody>
+          <a:bodyPr wrap="square" rtlCol="0">
+            <a:spAutoFit/>
+          </a:bodyPr>
           <a:lstStyle/>
           <a:p>
             <a:r>
-              <a:rPr lang="en-US" smtClean="0"/>
-              <a:t>Next Steps</a:t>
-            </a:r>
-            <a:endParaRPr lang="en-US" dirty="0"/>
+              <a:rPr lang="en-US" dirty="0"/>
+              <a:t>In this example, sounds are played based on the menu item picked. You can replace this with any code you you wish.</a:t>
+            </a:r>
           </a:p>
         </p:txBody>
       </p:sp>
     </p:spTree>
     <p:extLst>
       <p:ext uri="{BB962C8B-B14F-4D97-AF65-F5344CB8AC3E}">
-        <p14:creationId xmlns:p14="http://schemas.microsoft.com/office/powerpoint/2010/main" val="874189379"/>
+        <p14:creationId xmlns:p14="http://schemas.microsoft.com/office/powerpoint/2010/main" val="1144368425"/>
       </p:ext>
     </p:extLst>
   </p:cSld>
   <p:clrMapOvr>
     <a:masterClrMapping/>
   </p:clrMapOvr>
-  <p:timing>
-    <p:tnLst>
-      <p:par>
-        <p:cTn id="1" dur="indefinite" restart="never" nodeType="tmRoot"/>
-      </p:par>
-    </p:tnLst>
-  </p:timing>
 </p:sld>
 </file>
 
@@ -7322,532 +7070,314 @@
           <a:chExt cx="0" cy="0"/>
         </a:xfrm>
       </p:grpSpPr>
-      <p:sp>
-        <p:nvSpPr>
-          <p:cNvPr id="3" name="Content Placeholder 2"/>
-          <p:cNvSpPr>
-            <a:spLocks noGrp="1"/>
-          </p:cNvSpPr>
-          <p:nvPr>
-            <p:ph idx="1"/>
-          </p:nvPr>
-        </p:nvSpPr>
-        <p:spPr/>
-        <p:txBody>
-          <a:bodyPr/>
-          <a:lstStyle/>
-          <a:p>
-            <a:r>
-              <a:rPr lang="en-US" smtClean="0"/>
-              <a:t>This tutorial was created by Sanjay Seshan and Arvind Seshan </a:t>
-            </a:r>
-            <a:endParaRPr lang="en-US" smtClean="0"/>
-          </a:p>
-          <a:p>
-            <a:r>
-              <a:rPr lang="en-US" smtClean="0"/>
-              <a:t>More </a:t>
-            </a:r>
-            <a:r>
-              <a:rPr lang="en-US" smtClean="0"/>
-              <a:t>lessons at www.ev3lessons.com</a:t>
-            </a:r>
-            <a:endParaRPr lang="en-US" dirty="0"/>
-          </a:p>
-        </p:txBody>
-      </p:sp>
-      <p:sp>
-        <p:nvSpPr>
-          <p:cNvPr id="4" name="Footer Placeholder 3"/>
-          <p:cNvSpPr>
-            <a:spLocks noGrp="1"/>
-          </p:cNvSpPr>
-          <p:nvPr>
-            <p:ph type="ftr" sz="quarter" idx="11"/>
-          </p:nvPr>
-        </p:nvSpPr>
-        <p:spPr/>
-        <p:txBody>
-          <a:bodyPr/>
-          <a:lstStyle/>
-          <a:p>
-            <a:r>
-              <a:rPr lang="sk-SK" smtClean="0"/>
-              <a:t>© 2015 EV3Lessons.com, Last edit 02/10/2017</a:t>
-            </a:r>
-            <a:endParaRPr lang="en-US"/>
-          </a:p>
-        </p:txBody>
-      </p:sp>
-      <p:sp>
-        <p:nvSpPr>
-          <p:cNvPr id="7" name="Slide Number Placeholder 6"/>
-          <p:cNvSpPr>
-            <a:spLocks noGrp="1"/>
-          </p:cNvSpPr>
-          <p:nvPr>
-            <p:ph type="sldNum" sz="quarter" idx="12"/>
-          </p:nvPr>
-        </p:nvSpPr>
-        <p:spPr/>
-        <p:txBody>
-          <a:bodyPr/>
-          <a:lstStyle/>
-          <a:p>
-            <a:fld id="{4382A7F7-08BF-4252-8141-63FB96055BBB}" type="slidenum">
-              <a:rPr lang="en-US" smtClean="0"/>
-              <a:pPr/>
-              <a:t>8</a:t>
-            </a:fld>
-            <a:endParaRPr lang="en-US"/>
-          </a:p>
-        </p:txBody>
-      </p:sp>
-      <p:sp>
-        <p:nvSpPr>
-          <p:cNvPr id="2" name="Title 1"/>
-          <p:cNvSpPr>
-            <a:spLocks noGrp="1"/>
-          </p:cNvSpPr>
-          <p:nvPr>
-            <p:ph type="title"/>
-          </p:nvPr>
-        </p:nvSpPr>
-        <p:spPr/>
-        <p:txBody>
-          <a:bodyPr/>
-          <a:lstStyle/>
-          <a:p>
-            <a:r>
-              <a:rPr lang="en-US" smtClean="0"/>
-              <a:t>Credits</a:t>
-            </a:r>
-            <a:endParaRPr lang="en-US" dirty="0"/>
-          </a:p>
-        </p:txBody>
-      </p:sp>
-      <p:sp>
-        <p:nvSpPr>
-          <p:cNvPr id="5" name="Rectangle 1"/>
-          <p:cNvSpPr>
-            <a:spLocks noChangeArrowheads="1"/>
-          </p:cNvSpPr>
-          <p:nvPr/>
-        </p:nvSpPr>
-        <p:spPr bwMode="auto">
-          <a:xfrm>
-            <a:off x="457199" y="5391957"/>
-            <a:ext cx="7913347" cy="923330"/>
-          </a:xfrm>
-          <a:prstGeom prst="rect">
-            <a:avLst/>
-          </a:prstGeom>
-          <a:solidFill>
-            <a:srgbClr val="F5F5F5"/>
-          </a:solidFill>
-          <a:ln>
-            <a:noFill/>
-          </a:ln>
-          <a:effectLst/>
-          <a:extLst>
-            <a:ext uri="{91240B29-F687-4f45-9708-019B960494DF}">
-              <a14:hiddenLine xmlns="" xmlns:a14="http://schemas.microsoft.com/office/drawing/2010/main" w="9525">
-                <a:solidFill>
-                  <a:schemeClr val="tx1"/>
-                </a:solidFill>
-                <a:miter lim="800000"/>
-                <a:headEnd/>
-                <a:tailEnd/>
-              </a14:hiddenLine>
-            </a:ext>
-            <a:ext uri="{AF507438-7753-43e0-B8FC-AC1667EBCBE1}">
-              <a14:hiddenEffects xmlns="" xmlns:a14="http://schemas.microsoft.com/office/drawing/2010/main">
-                <a:effectLst>
-                  <a:outerShdw dist="35921" dir="2700000" algn="ctr" rotWithShape="0">
-                    <a:schemeClr val="bg2"/>
-                  </a:outerShdw>
-                </a:effectLst>
-              </a14:hiddenEffects>
-            </a:ext>
-          </a:extLst>
-        </p:spPr>
-        <p:txBody>
-          <a:bodyPr vert="horz" wrap="square" lIns="0" tIns="0" rIns="0" bIns="0" numCol="1" anchor="ctr" anchorCtr="0" compatLnSpc="1">
-            <a:prstTxWarp prst="textNoShape">
-              <a:avLst/>
-            </a:prstTxWarp>
-            <a:spAutoFit/>
-          </a:bodyPr>
-          <a:lstStyle>
-            <a:lvl1pPr eaLnBrk="0" fontAlgn="base" hangingPunct="0">
-              <a:spcBef>
-                <a:spcPct val="0"/>
-              </a:spcBef>
-              <a:spcAft>
-                <a:spcPct val="0"/>
-              </a:spcAft>
-              <a:defRPr>
-                <a:solidFill>
-                  <a:schemeClr val="tx1"/>
-                </a:solidFill>
-                <a:latin typeface="Arial" panose="020B0604020202020204" pitchFamily="34" charset="0"/>
-              </a:defRPr>
-            </a:lvl1pPr>
-            <a:lvl2pPr eaLnBrk="0" fontAlgn="base" hangingPunct="0">
-              <a:spcBef>
-                <a:spcPct val="0"/>
-              </a:spcBef>
-              <a:spcAft>
-                <a:spcPct val="0"/>
-              </a:spcAft>
-              <a:defRPr>
-                <a:solidFill>
-                  <a:schemeClr val="tx1"/>
-                </a:solidFill>
-                <a:latin typeface="Arial" panose="020B0604020202020204" pitchFamily="34" charset="0"/>
-              </a:defRPr>
-            </a:lvl2pPr>
-            <a:lvl3pPr eaLnBrk="0" fontAlgn="base" hangingPunct="0">
-              <a:spcBef>
-                <a:spcPct val="0"/>
-              </a:spcBef>
-              <a:spcAft>
-                <a:spcPct val="0"/>
-              </a:spcAft>
-              <a:defRPr>
-                <a:solidFill>
-                  <a:schemeClr val="tx1"/>
-                </a:solidFill>
-                <a:latin typeface="Arial" panose="020B0604020202020204" pitchFamily="34" charset="0"/>
-              </a:defRPr>
-            </a:lvl3pPr>
-            <a:lvl4pPr eaLnBrk="0" fontAlgn="base" hangingPunct="0">
-              <a:spcBef>
-                <a:spcPct val="0"/>
-              </a:spcBef>
-              <a:spcAft>
-                <a:spcPct val="0"/>
-              </a:spcAft>
-              <a:defRPr>
-                <a:solidFill>
-                  <a:schemeClr val="tx1"/>
-                </a:solidFill>
-                <a:latin typeface="Arial" panose="020B0604020202020204" pitchFamily="34" charset="0"/>
-              </a:defRPr>
-            </a:lvl4pPr>
-            <a:lvl5pPr eaLnBrk="0" fontAlgn="base" hangingPunct="0">
-              <a:spcBef>
-                <a:spcPct val="0"/>
-              </a:spcBef>
-              <a:spcAft>
-                <a:spcPct val="0"/>
-              </a:spcAft>
-              <a:defRPr>
-                <a:solidFill>
-                  <a:schemeClr val="tx1"/>
-                </a:solidFill>
-                <a:latin typeface="Arial" panose="020B0604020202020204" pitchFamily="34" charset="0"/>
-              </a:defRPr>
-            </a:lvl5pPr>
-            <a:lvl6pPr eaLnBrk="0" fontAlgn="base" hangingPunct="0">
-              <a:spcBef>
-                <a:spcPct val="0"/>
-              </a:spcBef>
-              <a:spcAft>
-                <a:spcPct val="0"/>
-              </a:spcAft>
-              <a:defRPr>
-                <a:solidFill>
-                  <a:schemeClr val="tx1"/>
-                </a:solidFill>
-                <a:latin typeface="Arial" panose="020B0604020202020204" pitchFamily="34" charset="0"/>
-              </a:defRPr>
-            </a:lvl6pPr>
-            <a:lvl7pPr eaLnBrk="0" fontAlgn="base" hangingPunct="0">
-              <a:spcBef>
-                <a:spcPct val="0"/>
-              </a:spcBef>
-              <a:spcAft>
-                <a:spcPct val="0"/>
-              </a:spcAft>
-              <a:defRPr>
-                <a:solidFill>
-                  <a:schemeClr val="tx1"/>
-                </a:solidFill>
-                <a:latin typeface="Arial" panose="020B0604020202020204" pitchFamily="34" charset="0"/>
-              </a:defRPr>
-            </a:lvl7pPr>
-            <a:lvl8pPr eaLnBrk="0" fontAlgn="base" hangingPunct="0">
-              <a:spcBef>
-                <a:spcPct val="0"/>
-              </a:spcBef>
-              <a:spcAft>
-                <a:spcPct val="0"/>
-              </a:spcAft>
-              <a:defRPr>
-                <a:solidFill>
-                  <a:schemeClr val="tx1"/>
-                </a:solidFill>
-                <a:latin typeface="Arial" panose="020B0604020202020204" pitchFamily="34" charset="0"/>
-              </a:defRPr>
-            </a:lvl8pPr>
-            <a:lvl9pPr eaLnBrk="0" fontAlgn="base" hangingPunct="0">
-              <a:spcBef>
-                <a:spcPct val="0"/>
-              </a:spcBef>
-              <a:spcAft>
-                <a:spcPct val="0"/>
-              </a:spcAft>
-              <a:defRPr>
-                <a:solidFill>
-                  <a:schemeClr val="tx1"/>
-                </a:solidFill>
-                <a:latin typeface="Arial" panose="020B0604020202020204" pitchFamily="34" charset="0"/>
-              </a:defRPr>
-            </a:lvl9pPr>
-          </a:lstStyle>
-          <a:p>
-            <a:pPr marL="0" marR="0" lvl="0" indent="0" algn="ctr" defTabSz="914400" rtl="0" eaLnBrk="0" fontAlgn="base" latinLnBrk="0" hangingPunct="0">
-              <a:lnSpc>
-                <a:spcPct val="100000"/>
-              </a:lnSpc>
-              <a:spcBef>
-                <a:spcPct val="0"/>
-              </a:spcBef>
-              <a:spcAft>
-                <a:spcPct val="0"/>
-              </a:spcAft>
-              <a:buClrTx/>
-              <a:buSzTx/>
-              <a:buFontTx/>
-              <a:buNone/>
-              <a:tabLst/>
-            </a:pPr>
-            <a:r>
-              <a:rPr kumimoji="0" lang="en-US" altLang="en-US" sz="2000" b="0" i="0" u="none" strike="noStrike" cap="none" normalizeH="0" baseline="0" dirty="0" smtClean="0">
-                <a:ln>
-                  <a:noFill/>
-                </a:ln>
-                <a:solidFill>
-                  <a:srgbClr val="4374B7"/>
-                </a:solidFill>
-                <a:effectLst/>
-                <a:latin typeface="Helvetica Neue"/>
-              </a:rPr>
-              <a:t>                         </a:t>
-            </a:r>
-            <a:r>
-              <a:rPr kumimoji="0" lang="en-US" altLang="en-US" sz="1600" b="0" i="0" u="none" strike="noStrike" cap="none" normalizeH="0" baseline="0" dirty="0" smtClean="0">
-                <a:ln>
-                  <a:noFill/>
-                </a:ln>
-                <a:solidFill>
-                  <a:schemeClr val="tx1"/>
-                </a:solidFill>
-                <a:effectLst/>
-              </a:rPr>
-              <a:t/>
-            </a:r>
-            <a:br>
-              <a:rPr kumimoji="0" lang="en-US" altLang="en-US" sz="1600" b="0" i="0" u="none" strike="noStrike" cap="none" normalizeH="0" baseline="0" dirty="0" smtClean="0">
-                <a:ln>
-                  <a:noFill/>
-                </a:ln>
-                <a:solidFill>
-                  <a:schemeClr val="tx1"/>
-                </a:solidFill>
-                <a:effectLst/>
-              </a:rPr>
-            </a:br>
-            <a:r>
-              <a:rPr kumimoji="0" lang="en-US" altLang="en-US" sz="2000" b="0" i="0" u="none" strike="noStrike" cap="none" normalizeH="0" baseline="0" dirty="0" smtClean="0">
-                <a:ln>
-                  <a:noFill/>
-                </a:ln>
-                <a:solidFill>
-                  <a:srgbClr val="000000"/>
-                </a:solidFill>
-                <a:effectLst/>
-                <a:latin typeface="Helvetica Neue"/>
-              </a:rPr>
-              <a:t>This work is licensed under a </a:t>
-            </a:r>
-            <a:r>
-              <a:rPr kumimoji="0" lang="en-US" altLang="en-US" sz="2000" b="0" i="0" u="none" strike="noStrike" cap="none" normalizeH="0" baseline="0" dirty="0" smtClean="0">
-                <a:ln>
-                  <a:noFill/>
-                </a:ln>
-                <a:solidFill>
-                  <a:srgbClr val="4374B7"/>
-                </a:solidFill>
-                <a:effectLst/>
-                <a:latin typeface="Helvetica Neue"/>
-                <a:hlinkClick r:id="rId3"/>
-              </a:rPr>
-              <a:t>Creative Commons Attribution-</a:t>
-            </a:r>
-            <a:r>
-              <a:rPr kumimoji="0" lang="en-US" altLang="en-US" sz="2000" b="0" i="0" u="none" strike="noStrike" cap="none" normalizeH="0" baseline="0" dirty="0" err="1" smtClean="0">
-                <a:ln>
-                  <a:noFill/>
-                </a:ln>
-                <a:solidFill>
-                  <a:srgbClr val="4374B7"/>
-                </a:solidFill>
-                <a:effectLst/>
-                <a:latin typeface="Helvetica Neue"/>
-                <a:hlinkClick r:id="rId3"/>
-              </a:rPr>
-              <a:t>NonCommercial</a:t>
-            </a:r>
-            <a:r>
-              <a:rPr kumimoji="0" lang="en-US" altLang="en-US" sz="2000" b="0" i="0" u="none" strike="noStrike" cap="none" normalizeH="0" baseline="0" dirty="0" smtClean="0">
-                <a:ln>
-                  <a:noFill/>
-                </a:ln>
-                <a:solidFill>
-                  <a:srgbClr val="4374B7"/>
-                </a:solidFill>
-                <a:effectLst/>
-                <a:latin typeface="Helvetica Neue"/>
-                <a:hlinkClick r:id="rId3"/>
-              </a:rPr>
-              <a:t>-</a:t>
-            </a:r>
-            <a:r>
-              <a:rPr kumimoji="0" lang="en-US" altLang="en-US" sz="2000" b="0" i="0" u="none" strike="noStrike" cap="none" normalizeH="0" baseline="0" dirty="0" err="1" smtClean="0">
-                <a:ln>
-                  <a:noFill/>
-                </a:ln>
-                <a:solidFill>
-                  <a:srgbClr val="4374B7"/>
-                </a:solidFill>
-                <a:effectLst/>
-                <a:latin typeface="Helvetica Neue"/>
-                <a:hlinkClick r:id="rId3"/>
-              </a:rPr>
-              <a:t>ShareAlike</a:t>
-            </a:r>
-            <a:r>
-              <a:rPr kumimoji="0" lang="en-US" altLang="en-US" sz="2000" b="0" i="0" u="none" strike="noStrike" cap="none" normalizeH="0" baseline="0" dirty="0" smtClean="0">
-                <a:ln>
-                  <a:noFill/>
-                </a:ln>
-                <a:solidFill>
-                  <a:srgbClr val="4374B7"/>
-                </a:solidFill>
-                <a:effectLst/>
-                <a:latin typeface="Helvetica Neue"/>
-                <a:hlinkClick r:id="rId3"/>
-              </a:rPr>
-              <a:t> 4.0 International License</a:t>
-            </a:r>
-            <a:r>
-              <a:rPr kumimoji="0" lang="en-US" altLang="en-US" sz="2000" b="0" i="0" u="none" strike="noStrike" cap="none" normalizeH="0" baseline="0" dirty="0" smtClean="0">
-                <a:ln>
-                  <a:noFill/>
-                </a:ln>
-                <a:solidFill>
-                  <a:srgbClr val="000000"/>
-                </a:solidFill>
-                <a:effectLst/>
-                <a:latin typeface="Helvetica Neue"/>
-              </a:rPr>
-              <a:t>.</a:t>
-            </a:r>
-            <a:r>
-              <a:rPr kumimoji="0" lang="en-US" altLang="en-US" sz="1600" b="0" i="0" u="none" strike="noStrike" cap="none" normalizeH="0" baseline="0" dirty="0" smtClean="0">
-                <a:ln>
-                  <a:noFill/>
-                </a:ln>
-                <a:solidFill>
-                  <a:schemeClr val="tx1"/>
-                </a:solidFill>
-                <a:effectLst/>
-              </a:rPr>
-              <a:t> </a:t>
-            </a:r>
-            <a:endParaRPr kumimoji="0" lang="en-US" altLang="en-US" sz="2000" b="0" i="0" u="none" strike="noStrike" cap="none" normalizeH="0" baseline="0" dirty="0" smtClean="0">
-              <a:ln>
-                <a:noFill/>
-              </a:ln>
-              <a:solidFill>
-                <a:srgbClr val="4374B7"/>
-              </a:solidFill>
-              <a:effectLst/>
-              <a:latin typeface="Helvetica Neue"/>
-            </a:endParaRPr>
-          </a:p>
-        </p:txBody>
-      </p:sp>
       <p:pic>
         <p:nvPicPr>
-          <p:cNvPr id="6" name="Picture 2" descr="Creative Commons License">
-            <a:hlinkClick r:id="rId3"/>
+          <p:cNvPr id="16" name="Content Placeholder 15" descr="A screenshot of a cell phone&#10;&#10;Description automatically generated">
+            <a:extLst>
+              <a:ext uri="{FF2B5EF4-FFF2-40B4-BE49-F238E27FC236}">
+                <a16:creationId xmlns:a16="http://schemas.microsoft.com/office/drawing/2014/main" id="{B899B2F5-9F70-ED42-AE87-529F97685B50}"/>
+              </a:ext>
+            </a:extLst>
           </p:cNvPr>
           <p:cNvPicPr>
-            <a:picLocks noChangeAspect="1" noChangeArrowheads="1"/>
+            <a:picLocks noGrp="1" noChangeAspect="1"/>
           </p:cNvPicPr>
-          <p:nvPr/>
+          <p:nvPr>
+            <p:ph idx="1"/>
+          </p:nvPr>
         </p:nvPicPr>
         <p:blipFill>
-          <a:blip r:embed="rId4">
+          <a:blip r:embed="rId2">
             <a:extLst>
               <a:ext uri="{28A0092B-C50C-407E-A947-70E740481C1C}">
                 <a14:useLocalDpi xmlns:a14="http://schemas.microsoft.com/office/drawing/2010/main" val="0"/>
               </a:ext>
             </a:extLst>
           </a:blip>
-          <a:srcRect/>
           <a:stretch>
             <a:fillRect/>
           </a:stretch>
         </p:blipFill>
-        <p:spPr bwMode="auto">
+        <p:spPr>
           <a:xfrm>
-            <a:off x="3812487" y="4160675"/>
-            <a:ext cx="2161449" cy="761422"/>
+            <a:off x="199697" y="1482982"/>
+            <a:ext cx="3941719" cy="4798615"/>
+          </a:xfrm>
+        </p:spPr>
+      </p:pic>
+      <p:sp>
+        <p:nvSpPr>
+          <p:cNvPr id="3" name="Footer Placeholder 2">
+            <a:extLst>
+              <a:ext uri="{FF2B5EF4-FFF2-40B4-BE49-F238E27FC236}">
+                <a16:creationId xmlns:a16="http://schemas.microsoft.com/office/drawing/2014/main" id="{A87D785C-E907-5942-BE57-582C719AADB1}"/>
+              </a:ext>
+            </a:extLst>
+          </p:cNvPr>
+          <p:cNvSpPr>
+            <a:spLocks noGrp="1"/>
+          </p:cNvSpPr>
+          <p:nvPr>
+            <p:ph type="ftr" sz="quarter" idx="11"/>
+          </p:nvPr>
+        </p:nvSpPr>
+        <p:spPr/>
+        <p:txBody>
+          <a:bodyPr/>
+          <a:lstStyle/>
+          <a:p>
+            <a:r>
+              <a:rPr lang="sk-SK"/>
+              <a:t>© 2020 EV3Lessons.com, Last edit 12/29/2019</a:t>
+            </a:r>
+            <a:endParaRPr lang="en-US"/>
+          </a:p>
+        </p:txBody>
+      </p:sp>
+      <p:sp>
+        <p:nvSpPr>
+          <p:cNvPr id="4" name="Title 3">
+            <a:extLst>
+              <a:ext uri="{FF2B5EF4-FFF2-40B4-BE49-F238E27FC236}">
+                <a16:creationId xmlns:a16="http://schemas.microsoft.com/office/drawing/2014/main" id="{7D16170D-DF5F-1149-A451-ABA87671436F}"/>
+              </a:ext>
+            </a:extLst>
+          </p:cNvPr>
+          <p:cNvSpPr>
+            <a:spLocks noGrp="1"/>
+          </p:cNvSpPr>
+          <p:nvPr>
+            <p:ph type="title"/>
+          </p:nvPr>
+        </p:nvSpPr>
+        <p:spPr/>
+        <p:txBody>
+          <a:bodyPr/>
+          <a:lstStyle/>
+          <a:p>
+            <a:r>
+              <a:rPr lang="en-US" dirty="0"/>
+              <a:t>CHALLENGE SOLUTION</a:t>
+            </a:r>
+          </a:p>
+        </p:txBody>
+      </p:sp>
+      <p:cxnSp>
+        <p:nvCxnSpPr>
+          <p:cNvPr id="8" name="Elbow Connector 7">
+            <a:extLst>
+              <a:ext uri="{FF2B5EF4-FFF2-40B4-BE49-F238E27FC236}">
+                <a16:creationId xmlns:a16="http://schemas.microsoft.com/office/drawing/2014/main" id="{1990A573-2D37-1847-A622-1CD83996BA5D}"/>
+              </a:ext>
+            </a:extLst>
+          </p:cNvPr>
+          <p:cNvCxnSpPr>
+            <a:cxnSpLocks/>
+          </p:cNvCxnSpPr>
+          <p:nvPr/>
+        </p:nvCxnSpPr>
+        <p:spPr>
+          <a:xfrm rot="5400000" flipH="1" flipV="1">
+            <a:off x="1607273" y="2210974"/>
+            <a:ext cx="4643180" cy="3498068"/>
+          </a:xfrm>
+          <a:prstGeom prst="bentConnector5">
+            <a:avLst>
+              <a:gd name="adj1" fmla="val -2461"/>
+              <a:gd name="adj2" fmla="val 58669"/>
+              <a:gd name="adj3" fmla="val 104923"/>
+            </a:avLst>
+          </a:prstGeom>
+          <a:ln>
+            <a:tailEnd type="triangle"/>
+          </a:ln>
+        </p:spPr>
+        <p:style>
+          <a:lnRef idx="2">
+            <a:schemeClr val="accent1"/>
+          </a:lnRef>
+          <a:fillRef idx="0">
+            <a:schemeClr val="accent1"/>
+          </a:fillRef>
+          <a:effectRef idx="1">
+            <a:schemeClr val="accent1"/>
+          </a:effectRef>
+          <a:fontRef idx="minor">
+            <a:schemeClr val="tx1"/>
+          </a:fontRef>
+        </p:style>
+      </p:cxnSp>
+      <p:pic>
+        <p:nvPicPr>
+          <p:cNvPr id="14" name="Picture 13">
+            <a:extLst>
+              <a:ext uri="{FF2B5EF4-FFF2-40B4-BE49-F238E27FC236}">
+                <a16:creationId xmlns:a16="http://schemas.microsoft.com/office/drawing/2014/main" id="{BEB1CB63-366A-244B-9B1D-40AABF47A6B6}"/>
+              </a:ext>
+            </a:extLst>
+          </p:cNvPr>
+          <p:cNvPicPr>
+            <a:picLocks noChangeAspect="1"/>
+          </p:cNvPicPr>
+          <p:nvPr/>
+        </p:nvPicPr>
+        <p:blipFill>
+          <a:blip r:embed="rId3"/>
+          <a:stretch>
+            <a:fillRect/>
+          </a:stretch>
+        </p:blipFill>
+        <p:spPr>
+          <a:xfrm>
+            <a:off x="4865971" y="1641376"/>
+            <a:ext cx="3048805" cy="5160781"/>
           </a:xfrm>
           <a:prstGeom prst="rect">
             <a:avLst/>
           </a:prstGeom>
-          <a:noFill/>
-          <a:extLst>
-            <a:ext uri="{909E8E84-426E-40dd-AFC4-6F175D3DCCD1}">
-              <a14:hiddenFill xmlns="" xmlns:a14="http://schemas.microsoft.com/office/drawing/2010/main">
-                <a:solidFill>
-                  <a:srgbClr val="FFFFFF"/>
-                </a:solidFill>
-              </a14:hiddenFill>
-            </a:ext>
-          </a:extLst>
         </p:spPr>
       </p:pic>
     </p:spTree>
     <p:extLst>
       <p:ext uri="{BB962C8B-B14F-4D97-AF65-F5344CB8AC3E}">
-        <p14:creationId xmlns:p14="http://schemas.microsoft.com/office/powerpoint/2010/main" val="4261110021"/>
+        <p14:creationId xmlns:p14="http://schemas.microsoft.com/office/powerpoint/2010/main" val="2700478219"/>
       </p:ext>
     </p:extLst>
   </p:cSld>
   <p:clrMapOvr>
     <a:masterClrMapping/>
   </p:clrMapOvr>
-  <mc:AlternateContent xmlns:mc="http://schemas.openxmlformats.org/markup-compatibility/2006" xmlns:p14="http://schemas.microsoft.com/office/powerpoint/2010/main">
-    <mc:Choice Requires="p14">
-      <p:transition spd="slow" p14:dur="2000"/>
-    </mc:Choice>
-    <mc:Fallback xmlns="">
-      <p:transition spd="slow"/>
-    </mc:Fallback>
-  </mc:AlternateContent>
-  <p:timing>
-    <p:tnLst>
-      <p:par>
-        <p:cTn id="1" dur="indefinite" restart="never" nodeType="tmRoot"/>
-      </p:par>
-    </p:tnLst>
-  </p:timing>
+</p:sld>
+</file>
+
+<file path=ppt/slides/slide9.xml><?xml version="1.0" encoding="utf-8"?>
+<p:sld xmlns:a="http://schemas.openxmlformats.org/drawingml/2006/main" xmlns:r="http://schemas.openxmlformats.org/officeDocument/2006/relationships" xmlns:p="http://schemas.openxmlformats.org/presentationml/2006/main">
+  <p:cSld>
+    <p:spTree>
+      <p:nvGrpSpPr>
+        <p:cNvPr id="1" name=""/>
+        <p:cNvGrpSpPr/>
+        <p:nvPr/>
+      </p:nvGrpSpPr>
+      <p:grpSpPr>
+        <a:xfrm>
+          <a:off x="0" y="0"/>
+          <a:ext cx="0" cy="0"/>
+          <a:chOff x="0" y="0"/>
+          <a:chExt cx="0" cy="0"/>
+        </a:xfrm>
+      </p:grpSpPr>
+      <p:sp>
+        <p:nvSpPr>
+          <p:cNvPr id="3" name="Content Placeholder 2"/>
+          <p:cNvSpPr>
+            <a:spLocks noGrp="1"/>
+          </p:cNvSpPr>
+          <p:nvPr>
+            <p:ph idx="1"/>
+          </p:nvPr>
+        </p:nvSpPr>
+        <p:spPr/>
+        <p:txBody>
+          <a:bodyPr/>
+          <a:lstStyle/>
+          <a:p>
+            <a:r>
+              <a:rPr lang="en-US" dirty="0"/>
+              <a:t>The ideas in this lesson can be adapted to help you build a mission sequencer for FIRST LEGO League. Sequencers are useful because they:</a:t>
+            </a:r>
+          </a:p>
+          <a:p>
+            <a:pPr lvl="1"/>
+            <a:r>
+              <a:rPr lang="en-US" dirty="0"/>
+              <a:t>Allow you to skip missions if you are short of time</a:t>
+            </a:r>
+          </a:p>
+          <a:p>
+            <a:pPr lvl="1"/>
+            <a:r>
+              <a:rPr lang="en-US" dirty="0"/>
+              <a:t>Allow you to repeat failed missions</a:t>
+            </a:r>
+          </a:p>
+          <a:p>
+            <a:pPr lvl="1"/>
+            <a:r>
+              <a:rPr lang="en-US" dirty="0"/>
+              <a:t>Allow you access missions quickly (find them easily)</a:t>
+            </a:r>
+          </a:p>
+          <a:p>
+            <a:r>
+              <a:rPr lang="en-US" dirty="0"/>
+              <a:t>If your Menu Action code is long (not just a display and sound), consider creating My Blocks out of your code</a:t>
+            </a:r>
+          </a:p>
+          <a:p>
+            <a:endParaRPr lang="en-US" dirty="0"/>
+          </a:p>
+          <a:p>
+            <a:endParaRPr lang="en-US" dirty="0"/>
+          </a:p>
+        </p:txBody>
+      </p:sp>
+      <p:sp>
+        <p:nvSpPr>
+          <p:cNvPr id="4" name="Footer Placeholder 3"/>
+          <p:cNvSpPr>
+            <a:spLocks noGrp="1"/>
+          </p:cNvSpPr>
+          <p:nvPr>
+            <p:ph type="ftr" sz="quarter" idx="11"/>
+          </p:nvPr>
+        </p:nvSpPr>
+        <p:spPr/>
+        <p:txBody>
+          <a:bodyPr/>
+          <a:lstStyle/>
+          <a:p>
+            <a:r>
+              <a:rPr lang="sk-SK"/>
+              <a:t>© 2020 EV3Lessons.com, Last edit 12/29/2019</a:t>
+            </a:r>
+            <a:endParaRPr lang="en-US"/>
+          </a:p>
+        </p:txBody>
+      </p:sp>
+      <p:sp>
+        <p:nvSpPr>
+          <p:cNvPr id="2" name="Title 1"/>
+          <p:cNvSpPr>
+            <a:spLocks noGrp="1"/>
+          </p:cNvSpPr>
+          <p:nvPr>
+            <p:ph type="title"/>
+          </p:nvPr>
+        </p:nvSpPr>
+        <p:spPr/>
+        <p:txBody>
+          <a:bodyPr/>
+          <a:lstStyle/>
+          <a:p>
+            <a:r>
+              <a:rPr lang="en-US"/>
+              <a:t>Next Steps</a:t>
+            </a:r>
+            <a:endParaRPr lang="en-US" dirty="0"/>
+          </a:p>
+        </p:txBody>
+      </p:sp>
+    </p:spTree>
+    <p:extLst>
+      <p:ext uri="{BB962C8B-B14F-4D97-AF65-F5344CB8AC3E}">
+        <p14:creationId xmlns:p14="http://schemas.microsoft.com/office/powerpoint/2010/main" val="874189379"/>
+      </p:ext>
+    </p:extLst>
+  </p:cSld>
+  <p:clrMapOvr>
+    <a:masterClrMapping/>
+  </p:clrMapOvr>
 </p:sld>
 </file>
 
